--- a/course_material/slides/013_arrays.pptx
+++ b/course_material/slides/013_arrays.pptx
@@ -18,6 +18,7 @@
     <p:sldId id="264" r:id="rId12"/>
     <p:sldId id="266" r:id="rId13"/>
     <p:sldId id="267" r:id="rId14"/>
+    <p:sldId id="269" r:id="rId15"/>
   </p:sldIdLst>
   <p:sldSz cx="12192000" cy="6858000"/>
   <p:notesSz cx="6858000" cy="9144000"/>
@@ -4214,19 +4215,14 @@
           <a:p>
             <a:r>
               <a:rPr lang="en-US" dirty="0"/>
-              <a:t>Commonly seen with images – a normal image is X * Y * 3 (color depth). </a:t>
-            </a:r>
-          </a:p>
-          <a:p>
-            <a:r>
-              <a:rPr lang="en-US" dirty="0"/>
-              <a:t>Similar to a list of list, but all </a:t>
-            </a:r>
-            <a:r>
-              <a:rPr lang="en-US"/>
-              <a:t>dimensions are “full”. </a:t>
-            </a:r>
-            <a:endParaRPr lang="en-US" dirty="0"/>
+              <a:t>Commonly seen with images – a normal image is X * Y * 3 (RGB color depth). </a:t>
+            </a:r>
+          </a:p>
+          <a:p>
+            <a:r>
+              <a:rPr lang="en-US" dirty="0"/>
+              <a:t>Similar to a list of list, but all dimensions are “full”. </a:t>
+            </a:r>
           </a:p>
         </p:txBody>
       </p:sp>
@@ -4234,6 +4230,136 @@
     <p:extLst>
       <p:ext uri="{BB962C8B-B14F-4D97-AF65-F5344CB8AC3E}">
         <p14:creationId xmlns:p14="http://schemas.microsoft.com/office/powerpoint/2010/main" val="2727153759"/>
+      </p:ext>
+    </p:extLst>
+  </p:cSld>
+  <p:clrMapOvr>
+    <a:masterClrMapping/>
+  </p:clrMapOvr>
+</p:sld>
+</file>
+
+<file path=ppt/slides/slide14.xml><?xml version="1.0" encoding="utf-8"?>
+<p:sld xmlns:a="http://schemas.openxmlformats.org/drawingml/2006/main" xmlns:r="http://schemas.openxmlformats.org/officeDocument/2006/relationships" xmlns:p="http://schemas.openxmlformats.org/presentationml/2006/main">
+  <p:cSld>
+    <p:spTree>
+      <p:nvGrpSpPr>
+        <p:cNvPr id="1" name=""/>
+        <p:cNvGrpSpPr/>
+        <p:nvPr/>
+      </p:nvGrpSpPr>
+      <p:grpSpPr>
+        <a:xfrm>
+          <a:off x="0" y="0"/>
+          <a:ext cx="0" cy="0"/>
+          <a:chOff x="0" y="0"/>
+          <a:chExt cx="0" cy="0"/>
+        </a:xfrm>
+      </p:grpSpPr>
+      <p:sp>
+        <p:nvSpPr>
+          <p:cNvPr id="2" name="Title 1">
+            <a:extLst>
+              <a:ext uri="{FF2B5EF4-FFF2-40B4-BE49-F238E27FC236}">
+                <a16:creationId xmlns:a16="http://schemas.microsoft.com/office/drawing/2014/main" id="{44EF0227-C381-A11D-326E-14041828EE14}"/>
+              </a:ext>
+            </a:extLst>
+          </p:cNvPr>
+          <p:cNvSpPr>
+            <a:spLocks noGrp="1"/>
+          </p:cNvSpPr>
+          <p:nvPr>
+            <p:ph type="title"/>
+          </p:nvPr>
+        </p:nvSpPr>
+        <p:spPr/>
+        <p:txBody>
+          <a:bodyPr/>
+          <a:lstStyle/>
+          <a:p>
+            <a:r>
+              <a:rPr lang="en-US" dirty="0"/>
+              <a:t>Slice and Dice</a:t>
+            </a:r>
+          </a:p>
+        </p:txBody>
+      </p:sp>
+      <p:sp>
+        <p:nvSpPr>
+          <p:cNvPr id="3" name="Content Placeholder 2">
+            <a:extLst>
+              <a:ext uri="{FF2B5EF4-FFF2-40B4-BE49-F238E27FC236}">
+                <a16:creationId xmlns:a16="http://schemas.microsoft.com/office/drawing/2014/main" id="{873A443C-32D5-8772-639A-CE4F0F5E3808}"/>
+              </a:ext>
+            </a:extLst>
+          </p:cNvPr>
+          <p:cNvSpPr>
+            <a:spLocks noGrp="1"/>
+          </p:cNvSpPr>
+          <p:nvPr>
+            <p:ph idx="1"/>
+          </p:nvPr>
+        </p:nvSpPr>
+        <p:spPr/>
+        <p:txBody>
+          <a:bodyPr/>
+          <a:lstStyle/>
+          <a:p>
+            <a:endParaRPr lang="en-US"/>
+          </a:p>
+        </p:txBody>
+      </p:sp>
+      <p:pic>
+        <p:nvPicPr>
+          <p:cNvPr id="5122" name="Picture 2" descr="Python NumPy Tutorial: An Applied Introduction for Beginners – LearnDataSci">
+            <a:extLst>
+              <a:ext uri="{FF2B5EF4-FFF2-40B4-BE49-F238E27FC236}">
+                <a16:creationId xmlns:a16="http://schemas.microsoft.com/office/drawing/2014/main" id="{D72BCEFB-6181-FD47-1653-D22534B94DEE}"/>
+              </a:ext>
+            </a:extLst>
+          </p:cNvPr>
+          <p:cNvPicPr>
+            <a:picLocks noChangeAspect="1" noChangeArrowheads="1"/>
+          </p:cNvPicPr>
+          <p:nvPr/>
+        </p:nvPicPr>
+        <p:blipFill>
+          <a:blip r:embed="rId2">
+            <a:extLst>
+              <a:ext uri="{28A0092B-C50C-407E-A947-70E740481C1C}">
+                <a14:useLocalDpi xmlns:a14="http://schemas.microsoft.com/office/drawing/2010/main" val="0"/>
+              </a:ext>
+            </a:extLst>
+          </a:blip>
+          <a:srcRect/>
+          <a:stretch>
+            <a:fillRect/>
+          </a:stretch>
+        </p:blipFill>
+        <p:spPr bwMode="auto">
+          <a:xfrm>
+            <a:off x="0" y="2089241"/>
+            <a:ext cx="12192000" cy="3816350"/>
+          </a:xfrm>
+          <a:prstGeom prst="rect">
+            <a:avLst/>
+          </a:prstGeom>
+          <a:noFill/>
+          <a:extLst>
+            <a:ext uri="{909E8E84-426E-40DD-AFC4-6F175D3DCCD1}">
+              <a14:hiddenFill xmlns:a14="http://schemas.microsoft.com/office/drawing/2010/main">
+                <a:solidFill>
+                  <a:srgbClr val="FFFFFF"/>
+                </a:solidFill>
+              </a14:hiddenFill>
+            </a:ext>
+          </a:extLst>
+        </p:spPr>
+      </p:pic>
+    </p:spTree>
+    <p:extLst>
+      <p:ext uri="{BB962C8B-B14F-4D97-AF65-F5344CB8AC3E}">
+        <p14:creationId xmlns:p14="http://schemas.microsoft.com/office/powerpoint/2010/main" val="1417570195"/>
       </p:ext>
     </p:extLst>
   </p:cSld>

--- a/course_material/slides/013_arrays.pptx
+++ b/course_material/slides/013_arrays.pptx
@@ -5,20 +5,23 @@
     <p:sldMasterId id="2147483660" r:id="rId1"/>
   </p:sldMasterIdLst>
   <p:sldIdLst>
-    <p:sldId id="256" r:id="rId2"/>
-    <p:sldId id="257" r:id="rId3"/>
-    <p:sldId id="258" r:id="rId4"/>
-    <p:sldId id="262" r:id="rId5"/>
-    <p:sldId id="260" r:id="rId6"/>
-    <p:sldId id="259" r:id="rId7"/>
-    <p:sldId id="261" r:id="rId8"/>
-    <p:sldId id="263" r:id="rId9"/>
-    <p:sldId id="265" r:id="rId10"/>
-    <p:sldId id="268" r:id="rId11"/>
-    <p:sldId id="264" r:id="rId12"/>
-    <p:sldId id="266" r:id="rId13"/>
-    <p:sldId id="267" r:id="rId14"/>
-    <p:sldId id="269" r:id="rId15"/>
+    <p:sldId id="272" r:id="rId2"/>
+    <p:sldId id="256" r:id="rId3"/>
+    <p:sldId id="257" r:id="rId4"/>
+    <p:sldId id="258" r:id="rId5"/>
+    <p:sldId id="263" r:id="rId6"/>
+    <p:sldId id="265" r:id="rId7"/>
+    <p:sldId id="264" r:id="rId8"/>
+    <p:sldId id="268" r:id="rId9"/>
+    <p:sldId id="266" r:id="rId10"/>
+    <p:sldId id="261" r:id="rId11"/>
+    <p:sldId id="262" r:id="rId12"/>
+    <p:sldId id="260" r:id="rId13"/>
+    <p:sldId id="259" r:id="rId14"/>
+    <p:sldId id="267" r:id="rId15"/>
+    <p:sldId id="270" r:id="rId16"/>
+    <p:sldId id="269" r:id="rId17"/>
+    <p:sldId id="271" r:id="rId18"/>
   </p:sldIdLst>
   <p:sldSz cx="12192000" cy="6858000"/>
   <p:notesSz cx="6858000" cy="9144000"/>
@@ -117,6 +120,37 @@
       </a:defRPr>
     </a:lvl9pPr>
   </p:defaultTextStyle>
+  <p:extLst>
+    <p:ext uri="{521415D9-36F7-43E2-AB2F-B90AF26B5E84}">
+      <p14:sectionLst xmlns:p14="http://schemas.microsoft.com/office/powerpoint/2010/main">
+        <p14:section name="Default Section" id="{94BA0EF0-2121-1142-9AD6-55375D4B9E51}">
+          <p14:sldIdLst>
+            <p14:sldId id="272"/>
+            <p14:sldId id="256"/>
+            <p14:sldId id="257"/>
+            <p14:sldId id="258"/>
+            <p14:sldId id="263"/>
+            <p14:sldId id="265"/>
+            <p14:sldId id="264"/>
+            <p14:sldId id="268"/>
+          </p14:sldIdLst>
+        </p14:section>
+        <p14:section name="Array details" id="{52269AA0-2B47-744B-824B-D5515BEF7E40}">
+          <p14:sldIdLst>
+            <p14:sldId id="266"/>
+            <p14:sldId id="261"/>
+            <p14:sldId id="262"/>
+            <p14:sldId id="260"/>
+            <p14:sldId id="259"/>
+            <p14:sldId id="267"/>
+            <p14:sldId id="270"/>
+            <p14:sldId id="269"/>
+            <p14:sldId id="271"/>
+          </p14:sldIdLst>
+        </p14:section>
+      </p14:sectionLst>
+    </p:ext>
+  </p:extLst>
 </p:presentation>
 </file>
 
@@ -3638,7 +3672,7 @@
           <p:cNvPr id="2" name="Title 1">
             <a:extLst>
               <a:ext uri="{FF2B5EF4-FFF2-40B4-BE49-F238E27FC236}">
-                <a16:creationId xmlns:a16="http://schemas.microsoft.com/office/drawing/2014/main" id="{771434A5-CD98-CD4B-2EF2-4729CC4AAD4E}"/>
+                <a16:creationId xmlns:a16="http://schemas.microsoft.com/office/drawing/2014/main" id="{750C9EB8-2FA6-AA0A-9418-C8CCF6BABC16}"/>
               </a:ext>
             </a:extLst>
           </p:cNvPr>
@@ -3646,7 +3680,7 @@
             <a:spLocks noGrp="1"/>
           </p:cNvSpPr>
           <p:nvPr>
-            <p:ph type="ctrTitle"/>
+            <p:ph type="title"/>
           </p:nvPr>
         </p:nvSpPr>
         <p:spPr/>
@@ -3656,17 +3690,17 @@
           <a:p>
             <a:r>
               <a:rPr lang="en-US" dirty="0"/>
-              <a:t>Arrays</a:t>
-            </a:r>
-          </a:p>
-        </p:txBody>
-      </p:sp>
-      <p:sp>
-        <p:nvSpPr>
-          <p:cNvPr id="3" name="Subtitle 2">
+              <a:t>Housekeeping</a:t>
+            </a:r>
+          </a:p>
+        </p:txBody>
+      </p:sp>
+      <p:sp>
+        <p:nvSpPr>
+          <p:cNvPr id="3" name="Content Placeholder 2">
             <a:extLst>
               <a:ext uri="{FF2B5EF4-FFF2-40B4-BE49-F238E27FC236}">
-                <a16:creationId xmlns:a16="http://schemas.microsoft.com/office/drawing/2014/main" id="{1F98F0AA-B9BE-EB0E-05E0-79BFD585923D}"/>
+                <a16:creationId xmlns:a16="http://schemas.microsoft.com/office/drawing/2014/main" id="{3594667E-7035-700C-7837-6A34A8FB2A9B}"/>
               </a:ext>
             </a:extLst>
           </p:cNvPr>
@@ -3674,22 +3708,109 @@
             <a:spLocks noGrp="1"/>
           </p:cNvSpPr>
           <p:nvPr>
-            <p:ph type="subTitle" idx="1"/>
-          </p:nvPr>
-        </p:nvSpPr>
-        <p:spPr/>
-        <p:txBody>
-          <a:bodyPr/>
-          <a:lstStyle/>
-          <a:p>
-            <a:endParaRPr lang="en-US"/>
+            <p:ph idx="1"/>
+          </p:nvPr>
+        </p:nvSpPr>
+        <p:spPr>
+          <a:xfrm>
+            <a:off x="1451579" y="1853754"/>
+            <a:ext cx="9603275" cy="4199727"/>
+          </a:xfrm>
+        </p:spPr>
+        <p:txBody>
+          <a:bodyPr>
+            <a:normAutofit lnSpcReduction="10000"/>
+          </a:bodyPr>
+          <a:lstStyle/>
+          <a:p>
+            <a:r>
+              <a:rPr lang="en-US" dirty="0"/>
+              <a:t>Lab 2 Review:</a:t>
+            </a:r>
+          </a:p>
+          <a:p>
+            <a:pPr lvl="1"/>
+            <a:r>
+              <a:rPr lang="en-US" dirty="0"/>
+              <a:t>Example solution in repository. </a:t>
+            </a:r>
+          </a:p>
+          <a:p>
+            <a:pPr lvl="1"/>
+            <a:r>
+              <a:rPr lang="en-US" dirty="0"/>
+              <a:t>I’ll go over a few common points that I saw, please ask if something doesn’t make sense. </a:t>
+            </a:r>
+          </a:p>
+          <a:p>
+            <a:r>
+              <a:rPr lang="en-US" dirty="0"/>
+              <a:t>Lab 3 – there is a </a:t>
+            </a:r>
+            <a:r>
+              <a:rPr lang="en-US" dirty="0" err="1"/>
+              <a:t>dropbox</a:t>
+            </a:r>
+            <a:r>
+              <a:rPr lang="en-US" dirty="0"/>
+              <a:t> up, I had it labeled “</a:t>
+            </a:r>
+            <a:r>
+              <a:rPr lang="en-US" dirty="0" err="1"/>
+              <a:t>Asn</a:t>
+            </a:r>
+            <a:r>
+              <a:rPr lang="en-US" dirty="0"/>
+              <a:t> 3” by mistake for a while. </a:t>
+            </a:r>
+          </a:p>
+          <a:p>
+            <a:r>
+              <a:rPr lang="en-US" dirty="0"/>
+              <a:t>Exam next time:</a:t>
+            </a:r>
+          </a:p>
+          <a:p>
+            <a:pPr lvl="1"/>
+            <a:r>
+              <a:rPr lang="en-US" dirty="0"/>
+              <a:t>Open book. Normal browser. </a:t>
+            </a:r>
+          </a:p>
+          <a:p>
+            <a:pPr lvl="1"/>
+            <a:r>
+              <a:rPr lang="en-US" dirty="0"/>
+              <a:t>90 minutes. Approximately 35-40 questions. Mostly MC, might be a couple of SA.</a:t>
+            </a:r>
+          </a:p>
+          <a:p>
+            <a:pPr lvl="2"/>
+            <a:r>
+              <a:rPr lang="en-US" dirty="0"/>
+              <a:t>“knowledge” questions, what does this code do? What is the issue in this code? </a:t>
+            </a:r>
+          </a:p>
+          <a:p>
+            <a:pPr lvl="1"/>
+            <a:r>
+              <a:rPr lang="en-US" dirty="0"/>
+              <a:t>Similar in complexity to the lab stuff, our class examples are more complex. </a:t>
+            </a:r>
+          </a:p>
+          <a:p>
+            <a:pPr lvl="1"/>
+            <a:r>
+              <a:rPr lang="en-US" dirty="0"/>
+              <a:t>Basics of python and programming – basic variables, common operations, data structures, string manipulation, debugging, logic controls, loops. </a:t>
+            </a:r>
           </a:p>
         </p:txBody>
       </p:sp>
     </p:spTree>
     <p:extLst>
       <p:ext uri="{BB962C8B-B14F-4D97-AF65-F5344CB8AC3E}">
-        <p14:creationId xmlns:p14="http://schemas.microsoft.com/office/powerpoint/2010/main" val="1122977996"/>
+        <p14:creationId xmlns:p14="http://schemas.microsoft.com/office/powerpoint/2010/main" val="4140208490"/>
       </p:ext>
     </p:extLst>
   </p:cSld>
@@ -3721,7 +3842,7 @@
           <p:cNvPr id="2" name="Title 1">
             <a:extLst>
               <a:ext uri="{FF2B5EF4-FFF2-40B4-BE49-F238E27FC236}">
-                <a16:creationId xmlns:a16="http://schemas.microsoft.com/office/drawing/2014/main" id="{B2B1FD07-6AA6-2751-A239-80B8620A0571}"/>
+                <a16:creationId xmlns:a16="http://schemas.microsoft.com/office/drawing/2014/main" id="{9C914D61-9EB5-3FFD-2F89-6E020E17F7FD}"/>
               </a:ext>
             </a:extLst>
           </p:cNvPr>
@@ -3739,7 +3860,7 @@
           <a:p>
             <a:r>
               <a:rPr lang="en-US" dirty="0"/>
-              <a:t>Code Execution</a:t>
+              <a:t>Python Arrays</a:t>
             </a:r>
           </a:p>
         </p:txBody>
@@ -3749,7 +3870,7 @@
           <p:cNvPr id="3" name="Content Placeholder 2">
             <a:extLst>
               <a:ext uri="{FF2B5EF4-FFF2-40B4-BE49-F238E27FC236}">
-                <a16:creationId xmlns:a16="http://schemas.microsoft.com/office/drawing/2014/main" id="{6849377B-46C4-E9ED-A326-744544D5548F}"/>
+                <a16:creationId xmlns:a16="http://schemas.microsoft.com/office/drawing/2014/main" id="{B7829259-C79A-D0BA-290E-2EE0248099FC}"/>
               </a:ext>
             </a:extLst>
           </p:cNvPr>
@@ -3762,8 +3883,8 @@
         </p:nvSpPr>
         <p:spPr>
           <a:xfrm>
-            <a:off x="1451579" y="1948070"/>
-            <a:ext cx="9603275" cy="4035287"/>
+            <a:off x="1451579" y="2015732"/>
+            <a:ext cx="9603275" cy="4037749"/>
           </a:xfrm>
         </p:spPr>
         <p:txBody>
@@ -3772,61 +3893,78 @@
           <a:p>
             <a:r>
               <a:rPr lang="en-US" dirty="0"/>
-              <a:t>Computers are machines and they only understand machine code. </a:t>
-            </a:r>
-          </a:p>
-          <a:p>
-            <a:r>
-              <a:rPr lang="en-US" dirty="0"/>
-              <a:t>Languages need to be “translated” down into machine code to actually run. </a:t>
+              <a:t>The arrays that we use are provided by a package called </a:t>
+            </a:r>
+            <a:r>
+              <a:rPr lang="en-US" dirty="0" err="1"/>
+              <a:t>numpy</a:t>
+            </a:r>
+            <a:r>
+              <a:rPr lang="en-US" dirty="0"/>
+              <a:t>. </a:t>
             </a:r>
           </a:p>
           <a:p>
             <a:pPr lvl="1"/>
             <a:r>
               <a:rPr lang="en-US" dirty="0"/>
-              <a:t>This is broadly true, there can be more than one step. Code-&gt;assembly-&gt;machine. </a:t>
-            </a:r>
-          </a:p>
-          <a:p>
-            <a:r>
-              <a:rPr lang="en-US" dirty="0"/>
-              <a:t>Interpreted languages like Python. </a:t>
+              <a:t>Commonly imported with a “np” alias. </a:t>
             </a:r>
           </a:p>
           <a:p>
             <a:pPr lvl="1"/>
             <a:r>
-              <a:rPr lang="en-US" dirty="0"/>
-              <a:t>The interpreter reads the python code and generates machine code on the fly. </a:t>
-            </a:r>
-          </a:p>
-          <a:p>
-            <a:r>
-              <a:rPr lang="en-US" dirty="0"/>
-              <a:t>Compiled languages like C++. </a:t>
+              <a:rPr lang="en-US" dirty="0" err="1"/>
+              <a:t>Numpy</a:t>
+            </a:r>
+            <a:r>
+              <a:rPr lang="en-US" dirty="0"/>
+              <a:t> is a scientific computing package.</a:t>
+            </a:r>
+          </a:p>
+          <a:p>
+            <a:r>
+              <a:rPr lang="en-US" dirty="0"/>
+              <a:t>Commonly used and often required for machine learning work. </a:t>
             </a:r>
           </a:p>
           <a:p>
             <a:pPr lvl="1"/>
             <a:r>
               <a:rPr lang="en-US" dirty="0"/>
-              <a:t>The complier translates the entire program to machine code to generate an executable. </a:t>
+              <a:t>Data fed into a model is often an array, even if we prepare it before making it an array. </a:t>
             </a:r>
           </a:p>
           <a:p>
             <a:pPr lvl="1"/>
             <a:r>
               <a:rPr lang="en-US" dirty="0"/>
-              <a:t>Helps efficiency – compliers can find many ways to improve performance. </a:t>
-            </a:r>
+              <a:t>When doing lots of calculations inside a model, the speed matters. </a:t>
+            </a:r>
+          </a:p>
+          <a:p>
+            <a:pPr lvl="1"/>
+            <a:r>
+              <a:rPr lang="en-US" dirty="0"/>
+              <a:t>We want to get the benefits of the array (speed). </a:t>
+            </a:r>
+          </a:p>
+          <a:p>
+            <a:pPr lvl="1"/>
+            <a:r>
+              <a:rPr lang="en-US" dirty="0"/>
+              <a:t>The limitations of an array are between positive and neutral – fixed type and length. </a:t>
+            </a:r>
+          </a:p>
+          <a:p>
+            <a:endParaRPr lang="en-US" dirty="0"/>
           </a:p>
         </p:txBody>
       </p:sp>
     </p:spTree>
     <p:extLst>
       <p:ext uri="{BB962C8B-B14F-4D97-AF65-F5344CB8AC3E}">
-        <p14:creationId xmlns:p14="http://schemas.microsoft.com/office/powerpoint/2010/main" val="151748401"/>
+        <p14:creationId xmlns:p14="http://schemas.microsoft.com/office/powerpoint/2010/main" val="3600369454"/>
       </p:ext>
     </p:extLst>
   </p:cSld>
@@ -3837,768 +3975,6 @@
 </file>
 
 <file path=ppt/slides/slide11.xml><?xml version="1.0" encoding="utf-8"?>
-<p:sld xmlns:a="http://schemas.openxmlformats.org/drawingml/2006/main" xmlns:r="http://schemas.openxmlformats.org/officeDocument/2006/relationships" xmlns:p="http://schemas.openxmlformats.org/presentationml/2006/main">
-  <p:cSld>
-    <p:spTree>
-      <p:nvGrpSpPr>
-        <p:cNvPr id="1" name=""/>
-        <p:cNvGrpSpPr/>
-        <p:nvPr/>
-      </p:nvGrpSpPr>
-      <p:grpSpPr>
-        <a:xfrm>
-          <a:off x="0" y="0"/>
-          <a:ext cx="0" cy="0"/>
-          <a:chOff x="0" y="0"/>
-          <a:chExt cx="0" cy="0"/>
-        </a:xfrm>
-      </p:grpSpPr>
-      <p:sp>
-        <p:nvSpPr>
-          <p:cNvPr id="2" name="Title 1">
-            <a:extLst>
-              <a:ext uri="{FF2B5EF4-FFF2-40B4-BE49-F238E27FC236}">
-                <a16:creationId xmlns:a16="http://schemas.microsoft.com/office/drawing/2014/main" id="{4CB28CC4-54FE-5BE0-0B02-36E685321872}"/>
-              </a:ext>
-            </a:extLst>
-          </p:cNvPr>
-          <p:cNvSpPr>
-            <a:spLocks noGrp="1"/>
-          </p:cNvSpPr>
-          <p:nvPr>
-            <p:ph type="title"/>
-          </p:nvPr>
-        </p:nvSpPr>
-        <p:spPr/>
-        <p:txBody>
-          <a:bodyPr/>
-          <a:lstStyle/>
-          <a:p>
-            <a:r>
-              <a:rPr lang="en-US" dirty="0"/>
-              <a:t>Levels and Arrays</a:t>
-            </a:r>
-          </a:p>
-        </p:txBody>
-      </p:sp>
-      <p:sp>
-        <p:nvSpPr>
-          <p:cNvPr id="3" name="Content Placeholder 2">
-            <a:extLst>
-              <a:ext uri="{FF2B5EF4-FFF2-40B4-BE49-F238E27FC236}">
-                <a16:creationId xmlns:a16="http://schemas.microsoft.com/office/drawing/2014/main" id="{1B1B13EE-29AC-43BA-3C17-B0F62BAA7B05}"/>
-              </a:ext>
-            </a:extLst>
-          </p:cNvPr>
-          <p:cNvSpPr>
-            <a:spLocks noGrp="1"/>
-          </p:cNvSpPr>
-          <p:nvPr>
-            <p:ph idx="1"/>
-          </p:nvPr>
-        </p:nvSpPr>
-        <p:spPr>
-          <a:xfrm>
-            <a:off x="1451579" y="1853754"/>
-            <a:ext cx="9603275" cy="4199727"/>
-          </a:xfrm>
-        </p:spPr>
-        <p:txBody>
-          <a:bodyPr>
-            <a:normAutofit lnSpcReduction="10000"/>
-          </a:bodyPr>
-          <a:lstStyle/>
-          <a:p>
-            <a:r>
-              <a:rPr lang="en-US" dirty="0"/>
-              <a:t>We can think of where arrays came from hand-in-hand with thinking about the language. </a:t>
-            </a:r>
-          </a:p>
-          <a:p>
-            <a:r>
-              <a:rPr lang="en-US" dirty="0"/>
-              <a:t>Assembly (and below)</a:t>
-            </a:r>
-          </a:p>
-          <a:p>
-            <a:pPr lvl="1"/>
-            <a:r>
-              <a:rPr lang="en-US" dirty="0"/>
-              <a:t>We move data into and out of a spot (a physical address) in memory. Hard and annoying!</a:t>
-            </a:r>
-          </a:p>
-          <a:p>
-            <a:r>
-              <a:rPr lang="en-US" dirty="0"/>
-              <a:t>Low level languages. </a:t>
-            </a:r>
-          </a:p>
-          <a:p>
-            <a:pPr lvl="1"/>
-            <a:r>
-              <a:rPr lang="en-US" dirty="0"/>
-              <a:t>We maintain a pointer to the correct spot in memory. Annoying and easy to mess up. </a:t>
-            </a:r>
-          </a:p>
-          <a:p>
-            <a:pPr lvl="1"/>
-            <a:r>
-              <a:rPr lang="en-US" dirty="0"/>
-              <a:t>Gain abstractions like indexing. </a:t>
-            </a:r>
-          </a:p>
-          <a:p>
-            <a:r>
-              <a:rPr lang="en-US" dirty="0"/>
-              <a:t>High level languages. </a:t>
-            </a:r>
-          </a:p>
-          <a:p>
-            <a:pPr lvl="1"/>
-            <a:r>
-              <a:rPr lang="en-US" dirty="0"/>
-              <a:t>No need to worry about memory locations at all. Language handles logistics, we have limits.  </a:t>
-            </a:r>
-          </a:p>
-          <a:p>
-            <a:r>
-              <a:rPr lang="en-US" dirty="0"/>
-              <a:t>Higher level data structures like Lists. </a:t>
-            </a:r>
-          </a:p>
-          <a:p>
-            <a:pPr lvl="1"/>
-            <a:r>
-              <a:rPr lang="en-US" dirty="0"/>
-              <a:t>No constraints from physical memory are needed (though they may be desired). </a:t>
-            </a:r>
-          </a:p>
-        </p:txBody>
-      </p:sp>
-    </p:spTree>
-    <p:extLst>
-      <p:ext uri="{BB962C8B-B14F-4D97-AF65-F5344CB8AC3E}">
-        <p14:creationId xmlns:p14="http://schemas.microsoft.com/office/powerpoint/2010/main" val="564957335"/>
-      </p:ext>
-    </p:extLst>
-  </p:cSld>
-  <p:clrMapOvr>
-    <a:masterClrMapping/>
-  </p:clrMapOvr>
-</p:sld>
-</file>
-
-<file path=ppt/slides/slide12.xml><?xml version="1.0" encoding="utf-8"?>
-<p:sld xmlns:a="http://schemas.openxmlformats.org/drawingml/2006/main" xmlns:r="http://schemas.openxmlformats.org/officeDocument/2006/relationships" xmlns:p="http://schemas.openxmlformats.org/presentationml/2006/main">
-  <p:cSld>
-    <p:spTree>
-      <p:nvGrpSpPr>
-        <p:cNvPr id="1" name=""/>
-        <p:cNvGrpSpPr/>
-        <p:nvPr/>
-      </p:nvGrpSpPr>
-      <p:grpSpPr>
-        <a:xfrm>
-          <a:off x="0" y="0"/>
-          <a:ext cx="0" cy="0"/>
-          <a:chOff x="0" y="0"/>
-          <a:chExt cx="0" cy="0"/>
-        </a:xfrm>
-      </p:grpSpPr>
-      <p:sp>
-        <p:nvSpPr>
-          <p:cNvPr id="2" name="Title 1">
-            <a:extLst>
-              <a:ext uri="{FF2B5EF4-FFF2-40B4-BE49-F238E27FC236}">
-                <a16:creationId xmlns:a16="http://schemas.microsoft.com/office/drawing/2014/main" id="{445FB6D0-A728-2299-B67C-2D635938B085}"/>
-              </a:ext>
-            </a:extLst>
-          </p:cNvPr>
-          <p:cNvSpPr>
-            <a:spLocks noGrp="1"/>
-          </p:cNvSpPr>
-          <p:nvPr>
-            <p:ph type="title"/>
-          </p:nvPr>
-        </p:nvSpPr>
-        <p:spPr/>
-        <p:txBody>
-          <a:bodyPr/>
-          <a:lstStyle/>
-          <a:p>
-            <a:r>
-              <a:rPr lang="en-US" dirty="0"/>
-              <a:t>Building the Array</a:t>
-            </a:r>
-          </a:p>
-        </p:txBody>
-      </p:sp>
-      <p:sp>
-        <p:nvSpPr>
-          <p:cNvPr id="3" name="Content Placeholder 2">
-            <a:extLst>
-              <a:ext uri="{FF2B5EF4-FFF2-40B4-BE49-F238E27FC236}">
-                <a16:creationId xmlns:a16="http://schemas.microsoft.com/office/drawing/2014/main" id="{97230C1F-F1F4-08DF-A236-338E90953A29}"/>
-              </a:ext>
-            </a:extLst>
-          </p:cNvPr>
-          <p:cNvSpPr>
-            <a:spLocks noGrp="1"/>
-          </p:cNvSpPr>
-          <p:nvPr>
-            <p:ph idx="1"/>
-          </p:nvPr>
-        </p:nvSpPr>
-        <p:spPr>
-          <a:xfrm>
-            <a:off x="1451579" y="1853754"/>
-            <a:ext cx="9603275" cy="4199727"/>
-          </a:xfrm>
-        </p:spPr>
-        <p:txBody>
-          <a:bodyPr/>
-          <a:lstStyle/>
-          <a:p>
-            <a:r>
-              <a:rPr lang="en-US" dirty="0"/>
-              <a:t>We can build the concept of the array up from this. </a:t>
-            </a:r>
-          </a:p>
-          <a:p>
-            <a:pPr lvl="1"/>
-            <a:r>
-              <a:rPr lang="en-US" dirty="0"/>
-              <a:t>Start with several memory addresses with our data. </a:t>
-            </a:r>
-          </a:p>
-          <a:p>
-            <a:pPr lvl="1"/>
-            <a:r>
-              <a:rPr lang="en-US" dirty="0"/>
-              <a:t>Add the ability to treat the data as one object, with indexing offsets. </a:t>
-            </a:r>
-          </a:p>
-          <a:p>
-            <a:pPr lvl="1"/>
-            <a:r>
-              <a:rPr lang="en-US" dirty="0"/>
-              <a:t>Add the ability for the array to manage it’s own “innards” – memory, length, </a:t>
-            </a:r>
-            <a:r>
-              <a:rPr lang="en-US" dirty="0" err="1"/>
-              <a:t>etc</a:t>
-            </a:r>
-            <a:r>
-              <a:rPr lang="en-US" dirty="0"/>
-              <a:t>…</a:t>
-            </a:r>
-          </a:p>
-          <a:p>
-            <a:pPr lvl="1"/>
-            <a:r>
-              <a:rPr lang="en-US" dirty="0"/>
-              <a:t>Allowing it to be dynamic (a list). </a:t>
-            </a:r>
-          </a:p>
-          <a:p>
-            <a:r>
-              <a:rPr lang="en-US" dirty="0"/>
-              <a:t>We add an additional layer of abstraction, or remove some detail we need to manage ourselves at each level, making it easier to use. </a:t>
-            </a:r>
-          </a:p>
-          <a:p>
-            <a:pPr lvl="1"/>
-            <a:r>
-              <a:rPr lang="en-US" dirty="0"/>
-              <a:t>Easier is better in most cases. Making code readable and fixable is more important than fast. </a:t>
-            </a:r>
-          </a:p>
-          <a:p>
-            <a:pPr lvl="1"/>
-            <a:r>
-              <a:rPr lang="en-US" dirty="0"/>
-              <a:t>For places we need speed, we can sub in something more simple, like an array. </a:t>
-            </a:r>
-          </a:p>
-        </p:txBody>
-      </p:sp>
-    </p:spTree>
-    <p:extLst>
-      <p:ext uri="{BB962C8B-B14F-4D97-AF65-F5344CB8AC3E}">
-        <p14:creationId xmlns:p14="http://schemas.microsoft.com/office/powerpoint/2010/main" val="12238629"/>
-      </p:ext>
-    </p:extLst>
-  </p:cSld>
-  <p:clrMapOvr>
-    <a:masterClrMapping/>
-  </p:clrMapOvr>
-</p:sld>
-</file>
-
-<file path=ppt/slides/slide13.xml><?xml version="1.0" encoding="utf-8"?>
-<p:sld xmlns:a="http://schemas.openxmlformats.org/drawingml/2006/main" xmlns:r="http://schemas.openxmlformats.org/officeDocument/2006/relationships" xmlns:p="http://schemas.openxmlformats.org/presentationml/2006/main">
-  <p:cSld>
-    <p:spTree>
-      <p:nvGrpSpPr>
-        <p:cNvPr id="1" name=""/>
-        <p:cNvGrpSpPr/>
-        <p:nvPr/>
-      </p:nvGrpSpPr>
-      <p:grpSpPr>
-        <a:xfrm>
-          <a:off x="0" y="0"/>
-          <a:ext cx="0" cy="0"/>
-          <a:chOff x="0" y="0"/>
-          <a:chExt cx="0" cy="0"/>
-        </a:xfrm>
-      </p:grpSpPr>
-      <p:sp>
-        <p:nvSpPr>
-          <p:cNvPr id="2" name="Title 1">
-            <a:extLst>
-              <a:ext uri="{FF2B5EF4-FFF2-40B4-BE49-F238E27FC236}">
-                <a16:creationId xmlns:a16="http://schemas.microsoft.com/office/drawing/2014/main" id="{530D5E9E-BF52-0514-9783-B9A59BB9DA20}"/>
-              </a:ext>
-            </a:extLst>
-          </p:cNvPr>
-          <p:cNvSpPr>
-            <a:spLocks noGrp="1"/>
-          </p:cNvSpPr>
-          <p:nvPr>
-            <p:ph type="title"/>
-          </p:nvPr>
-        </p:nvSpPr>
-        <p:spPr/>
-        <p:txBody>
-          <a:bodyPr/>
-          <a:lstStyle/>
-          <a:p>
-            <a:r>
-              <a:rPr lang="en-US" dirty="0"/>
-              <a:t>Multi-Dimensional Arrays</a:t>
-            </a:r>
-          </a:p>
-        </p:txBody>
-      </p:sp>
-      <p:sp>
-        <p:nvSpPr>
-          <p:cNvPr id="3" name="Content Placeholder 2">
-            <a:extLst>
-              <a:ext uri="{FF2B5EF4-FFF2-40B4-BE49-F238E27FC236}">
-                <a16:creationId xmlns:a16="http://schemas.microsoft.com/office/drawing/2014/main" id="{3CAC3879-D070-4682-2B92-AACE67237620}"/>
-              </a:ext>
-            </a:extLst>
-          </p:cNvPr>
-          <p:cNvSpPr>
-            <a:spLocks noGrp="1"/>
-          </p:cNvSpPr>
-          <p:nvPr>
-            <p:ph idx="1"/>
-          </p:nvPr>
-        </p:nvSpPr>
-        <p:spPr/>
-        <p:txBody>
-          <a:bodyPr/>
-          <a:lstStyle/>
-          <a:p>
-            <a:r>
-              <a:rPr lang="en-US" dirty="0"/>
-              <a:t>Arrays can also exist in 2+ dimensions. </a:t>
-            </a:r>
-          </a:p>
-          <a:p>
-            <a:r>
-              <a:rPr lang="en-US" dirty="0"/>
-              <a:t>Each dimension adds an additional “[ ]” for that dimension’s index. </a:t>
-            </a:r>
-          </a:p>
-          <a:p>
-            <a:r>
-              <a:rPr lang="en-US" dirty="0"/>
-              <a:t>Commonly seen with images – a normal image is X * Y * 3 (RGB color depth). </a:t>
-            </a:r>
-          </a:p>
-          <a:p>
-            <a:r>
-              <a:rPr lang="en-US" dirty="0"/>
-              <a:t>Similar to a list of list, but all dimensions are “full”. </a:t>
-            </a:r>
-          </a:p>
-        </p:txBody>
-      </p:sp>
-    </p:spTree>
-    <p:extLst>
-      <p:ext uri="{BB962C8B-B14F-4D97-AF65-F5344CB8AC3E}">
-        <p14:creationId xmlns:p14="http://schemas.microsoft.com/office/powerpoint/2010/main" val="2727153759"/>
-      </p:ext>
-    </p:extLst>
-  </p:cSld>
-  <p:clrMapOvr>
-    <a:masterClrMapping/>
-  </p:clrMapOvr>
-</p:sld>
-</file>
-
-<file path=ppt/slides/slide14.xml><?xml version="1.0" encoding="utf-8"?>
-<p:sld xmlns:a="http://schemas.openxmlformats.org/drawingml/2006/main" xmlns:r="http://schemas.openxmlformats.org/officeDocument/2006/relationships" xmlns:p="http://schemas.openxmlformats.org/presentationml/2006/main">
-  <p:cSld>
-    <p:spTree>
-      <p:nvGrpSpPr>
-        <p:cNvPr id="1" name=""/>
-        <p:cNvGrpSpPr/>
-        <p:nvPr/>
-      </p:nvGrpSpPr>
-      <p:grpSpPr>
-        <a:xfrm>
-          <a:off x="0" y="0"/>
-          <a:ext cx="0" cy="0"/>
-          <a:chOff x="0" y="0"/>
-          <a:chExt cx="0" cy="0"/>
-        </a:xfrm>
-      </p:grpSpPr>
-      <p:sp>
-        <p:nvSpPr>
-          <p:cNvPr id="2" name="Title 1">
-            <a:extLst>
-              <a:ext uri="{FF2B5EF4-FFF2-40B4-BE49-F238E27FC236}">
-                <a16:creationId xmlns:a16="http://schemas.microsoft.com/office/drawing/2014/main" id="{44EF0227-C381-A11D-326E-14041828EE14}"/>
-              </a:ext>
-            </a:extLst>
-          </p:cNvPr>
-          <p:cNvSpPr>
-            <a:spLocks noGrp="1"/>
-          </p:cNvSpPr>
-          <p:nvPr>
-            <p:ph type="title"/>
-          </p:nvPr>
-        </p:nvSpPr>
-        <p:spPr/>
-        <p:txBody>
-          <a:bodyPr/>
-          <a:lstStyle/>
-          <a:p>
-            <a:r>
-              <a:rPr lang="en-US" dirty="0"/>
-              <a:t>Slice and Dice</a:t>
-            </a:r>
-          </a:p>
-        </p:txBody>
-      </p:sp>
-      <p:sp>
-        <p:nvSpPr>
-          <p:cNvPr id="3" name="Content Placeholder 2">
-            <a:extLst>
-              <a:ext uri="{FF2B5EF4-FFF2-40B4-BE49-F238E27FC236}">
-                <a16:creationId xmlns:a16="http://schemas.microsoft.com/office/drawing/2014/main" id="{873A443C-32D5-8772-639A-CE4F0F5E3808}"/>
-              </a:ext>
-            </a:extLst>
-          </p:cNvPr>
-          <p:cNvSpPr>
-            <a:spLocks noGrp="1"/>
-          </p:cNvSpPr>
-          <p:nvPr>
-            <p:ph idx="1"/>
-          </p:nvPr>
-        </p:nvSpPr>
-        <p:spPr/>
-        <p:txBody>
-          <a:bodyPr/>
-          <a:lstStyle/>
-          <a:p>
-            <a:endParaRPr lang="en-US"/>
-          </a:p>
-        </p:txBody>
-      </p:sp>
-      <p:pic>
-        <p:nvPicPr>
-          <p:cNvPr id="5122" name="Picture 2" descr="Python NumPy Tutorial: An Applied Introduction for Beginners – LearnDataSci">
-            <a:extLst>
-              <a:ext uri="{FF2B5EF4-FFF2-40B4-BE49-F238E27FC236}">
-                <a16:creationId xmlns:a16="http://schemas.microsoft.com/office/drawing/2014/main" id="{D72BCEFB-6181-FD47-1653-D22534B94DEE}"/>
-              </a:ext>
-            </a:extLst>
-          </p:cNvPr>
-          <p:cNvPicPr>
-            <a:picLocks noChangeAspect="1" noChangeArrowheads="1"/>
-          </p:cNvPicPr>
-          <p:nvPr/>
-        </p:nvPicPr>
-        <p:blipFill>
-          <a:blip r:embed="rId2">
-            <a:extLst>
-              <a:ext uri="{28A0092B-C50C-407E-A947-70E740481C1C}">
-                <a14:useLocalDpi xmlns:a14="http://schemas.microsoft.com/office/drawing/2010/main" val="0"/>
-              </a:ext>
-            </a:extLst>
-          </a:blip>
-          <a:srcRect/>
-          <a:stretch>
-            <a:fillRect/>
-          </a:stretch>
-        </p:blipFill>
-        <p:spPr bwMode="auto">
-          <a:xfrm>
-            <a:off x="0" y="2089241"/>
-            <a:ext cx="12192000" cy="3816350"/>
-          </a:xfrm>
-          <a:prstGeom prst="rect">
-            <a:avLst/>
-          </a:prstGeom>
-          <a:noFill/>
-          <a:extLst>
-            <a:ext uri="{909E8E84-426E-40DD-AFC4-6F175D3DCCD1}">
-              <a14:hiddenFill xmlns:a14="http://schemas.microsoft.com/office/drawing/2010/main">
-                <a:solidFill>
-                  <a:srgbClr val="FFFFFF"/>
-                </a:solidFill>
-              </a14:hiddenFill>
-            </a:ext>
-          </a:extLst>
-        </p:spPr>
-      </p:pic>
-    </p:spTree>
-    <p:extLst>
-      <p:ext uri="{BB962C8B-B14F-4D97-AF65-F5344CB8AC3E}">
-        <p14:creationId xmlns:p14="http://schemas.microsoft.com/office/powerpoint/2010/main" val="1417570195"/>
-      </p:ext>
-    </p:extLst>
-  </p:cSld>
-  <p:clrMapOvr>
-    <a:masterClrMapping/>
-  </p:clrMapOvr>
-</p:sld>
-</file>
-
-<file path=ppt/slides/slide2.xml><?xml version="1.0" encoding="utf-8"?>
-<p:sld xmlns:a="http://schemas.openxmlformats.org/drawingml/2006/main" xmlns:r="http://schemas.openxmlformats.org/officeDocument/2006/relationships" xmlns:p="http://schemas.openxmlformats.org/presentationml/2006/main">
-  <p:cSld>
-    <p:spTree>
-      <p:nvGrpSpPr>
-        <p:cNvPr id="1" name=""/>
-        <p:cNvGrpSpPr/>
-        <p:nvPr/>
-      </p:nvGrpSpPr>
-      <p:grpSpPr>
-        <a:xfrm>
-          <a:off x="0" y="0"/>
-          <a:ext cx="0" cy="0"/>
-          <a:chOff x="0" y="0"/>
-          <a:chExt cx="0" cy="0"/>
-        </a:xfrm>
-      </p:grpSpPr>
-      <p:sp>
-        <p:nvSpPr>
-          <p:cNvPr id="2" name="Title 1">
-            <a:extLst>
-              <a:ext uri="{FF2B5EF4-FFF2-40B4-BE49-F238E27FC236}">
-                <a16:creationId xmlns:a16="http://schemas.microsoft.com/office/drawing/2014/main" id="{82D7ED4D-EFF6-4A4E-AB4F-D4DF3E5D8B97}"/>
-              </a:ext>
-            </a:extLst>
-          </p:cNvPr>
-          <p:cNvSpPr>
-            <a:spLocks noGrp="1"/>
-          </p:cNvSpPr>
-          <p:nvPr>
-            <p:ph type="title"/>
-          </p:nvPr>
-        </p:nvSpPr>
-        <p:spPr/>
-        <p:txBody>
-          <a:bodyPr/>
-          <a:lstStyle/>
-          <a:p>
-            <a:r>
-              <a:rPr lang="en-US" dirty="0"/>
-              <a:t>What’s an array?</a:t>
-            </a:r>
-          </a:p>
-        </p:txBody>
-      </p:sp>
-      <p:sp>
-        <p:nvSpPr>
-          <p:cNvPr id="3" name="Content Placeholder 2">
-            <a:extLst>
-              <a:ext uri="{FF2B5EF4-FFF2-40B4-BE49-F238E27FC236}">
-                <a16:creationId xmlns:a16="http://schemas.microsoft.com/office/drawing/2014/main" id="{9DC78A25-6CAB-5947-2D29-235A540B75DF}"/>
-              </a:ext>
-            </a:extLst>
-          </p:cNvPr>
-          <p:cNvSpPr>
-            <a:spLocks noGrp="1"/>
-          </p:cNvSpPr>
-          <p:nvPr>
-            <p:ph idx="1"/>
-          </p:nvPr>
-        </p:nvSpPr>
-        <p:spPr/>
-        <p:txBody>
-          <a:bodyPr/>
-          <a:lstStyle/>
-          <a:p>
-            <a:endParaRPr lang="en-US"/>
-          </a:p>
-        </p:txBody>
-      </p:sp>
-    </p:spTree>
-    <p:extLst>
-      <p:ext uri="{BB962C8B-B14F-4D97-AF65-F5344CB8AC3E}">
-        <p14:creationId xmlns:p14="http://schemas.microsoft.com/office/powerpoint/2010/main" val="213640511"/>
-      </p:ext>
-    </p:extLst>
-  </p:cSld>
-  <p:clrMapOvr>
-    <a:masterClrMapping/>
-  </p:clrMapOvr>
-</p:sld>
-</file>
-
-<file path=ppt/slides/slide3.xml><?xml version="1.0" encoding="utf-8"?>
-<p:sld xmlns:a="http://schemas.openxmlformats.org/drawingml/2006/main" xmlns:r="http://schemas.openxmlformats.org/officeDocument/2006/relationships" xmlns:p="http://schemas.openxmlformats.org/presentationml/2006/main">
-  <p:cSld>
-    <p:spTree>
-      <p:nvGrpSpPr>
-        <p:cNvPr id="1" name=""/>
-        <p:cNvGrpSpPr/>
-        <p:nvPr/>
-      </p:nvGrpSpPr>
-      <p:grpSpPr>
-        <a:xfrm>
-          <a:off x="0" y="0"/>
-          <a:ext cx="0" cy="0"/>
-          <a:chOff x="0" y="0"/>
-          <a:chExt cx="0" cy="0"/>
-        </a:xfrm>
-      </p:grpSpPr>
-      <p:sp>
-        <p:nvSpPr>
-          <p:cNvPr id="2" name="Title 1">
-            <a:extLst>
-              <a:ext uri="{FF2B5EF4-FFF2-40B4-BE49-F238E27FC236}">
-                <a16:creationId xmlns:a16="http://schemas.microsoft.com/office/drawing/2014/main" id="{E8880C62-C726-6B21-6055-639966CF831A}"/>
-              </a:ext>
-            </a:extLst>
-          </p:cNvPr>
-          <p:cNvSpPr>
-            <a:spLocks noGrp="1"/>
-          </p:cNvSpPr>
-          <p:nvPr>
-            <p:ph type="title"/>
-          </p:nvPr>
-        </p:nvSpPr>
-        <p:spPr/>
-        <p:txBody>
-          <a:bodyPr/>
-          <a:lstStyle/>
-          <a:p>
-            <a:r>
-              <a:rPr lang="en-US" dirty="0"/>
-              <a:t>But… Why?</a:t>
-            </a:r>
-          </a:p>
-        </p:txBody>
-      </p:sp>
-      <p:sp>
-        <p:nvSpPr>
-          <p:cNvPr id="3" name="Content Placeholder 2">
-            <a:extLst>
-              <a:ext uri="{FF2B5EF4-FFF2-40B4-BE49-F238E27FC236}">
-                <a16:creationId xmlns:a16="http://schemas.microsoft.com/office/drawing/2014/main" id="{0D3DFC3B-9458-C8C9-8E44-AE89B3F509C2}"/>
-              </a:ext>
-            </a:extLst>
-          </p:cNvPr>
-          <p:cNvSpPr>
-            <a:spLocks noGrp="1"/>
-          </p:cNvSpPr>
-          <p:nvPr>
-            <p:ph idx="1"/>
-          </p:nvPr>
-        </p:nvSpPr>
-        <p:spPr>
-          <a:xfrm>
-            <a:off x="1451579" y="2015732"/>
-            <a:ext cx="9603275" cy="4037749"/>
-          </a:xfrm>
-        </p:spPr>
-        <p:txBody>
-          <a:bodyPr/>
-          <a:lstStyle/>
-          <a:p>
-            <a:r>
-              <a:rPr lang="en-US" dirty="0"/>
-              <a:t>Arrays are one of the building blocks of data structures. </a:t>
-            </a:r>
-          </a:p>
-          <a:p>
-            <a:r>
-              <a:rPr lang="en-US" dirty="0"/>
-              <a:t>More relevant for lower-level languages than in Python. </a:t>
-            </a:r>
-          </a:p>
-          <a:p>
-            <a:pPr lvl="1"/>
-            <a:r>
-              <a:rPr lang="en-US" dirty="0"/>
-              <a:t>Arrays are of a fixed size, and are placed into a window of that size in memory. </a:t>
-            </a:r>
-          </a:p>
-          <a:p>
-            <a:pPr lvl="1"/>
-            <a:r>
-              <a:rPr lang="en-US" dirty="0"/>
-              <a:t>The ability of a list to grow requires resources, an array is set. </a:t>
-            </a:r>
-          </a:p>
-          <a:p>
-            <a:pPr lvl="1"/>
-            <a:r>
-              <a:rPr lang="en-US" dirty="0"/>
-              <a:t>Arrays can be way faster as you can address memory locations directly. </a:t>
-            </a:r>
-          </a:p>
-          <a:p>
-            <a:r>
-              <a:rPr lang="en-US" dirty="0"/>
-              <a:t>Python manages the memory locations for us, but behind the scenes it is fast. </a:t>
-            </a:r>
-          </a:p>
-          <a:p>
-            <a:pPr lvl="1"/>
-            <a:r>
-              <a:rPr lang="en-US" dirty="0"/>
-              <a:t>An int is normally 32 bits, so an array of </a:t>
-            </a:r>
-            <a:r>
-              <a:rPr lang="en-US" dirty="0" err="1"/>
-              <a:t>ints</a:t>
-            </a:r>
-            <a:r>
-              <a:rPr lang="en-US" dirty="0"/>
-              <a:t> has values at “0”, “32”, “64”…</a:t>
-            </a:r>
-          </a:p>
-          <a:p>
-            <a:pPr lvl="1"/>
-            <a:r>
-              <a:rPr lang="en-US" dirty="0"/>
-              <a:t>A list needs to find “the next item” each time. </a:t>
-            </a:r>
-          </a:p>
-        </p:txBody>
-      </p:sp>
-    </p:spTree>
-    <p:extLst>
-      <p:ext uri="{BB962C8B-B14F-4D97-AF65-F5344CB8AC3E}">
-        <p14:creationId xmlns:p14="http://schemas.microsoft.com/office/powerpoint/2010/main" val="2012035154"/>
-      </p:ext>
-    </p:extLst>
-  </p:cSld>
-  <p:clrMapOvr>
-    <a:masterClrMapping/>
-  </p:clrMapOvr>
-</p:sld>
-</file>
-
-<file path=ppt/slides/slide4.xml><?xml version="1.0" encoding="utf-8"?>
 <p:sld xmlns:a="http://schemas.openxmlformats.org/drawingml/2006/main" xmlns:r="http://schemas.openxmlformats.org/officeDocument/2006/relationships" xmlns:p="http://schemas.openxmlformats.org/presentationml/2006/main">
   <p:cSld>
     <p:bg>
@@ -4973,7 +4349,7 @@
 </p:sld>
 </file>
 
-<file path=ppt/slides/slide5.xml><?xml version="1.0" encoding="utf-8"?>
+<file path=ppt/slides/slide12.xml><?xml version="1.0" encoding="utf-8"?>
 <p:sld xmlns:a="http://schemas.openxmlformats.org/drawingml/2006/main" xmlns:r="http://schemas.openxmlformats.org/officeDocument/2006/relationships" xmlns:p="http://schemas.openxmlformats.org/presentationml/2006/main">
   <p:cSld>
     <p:spTree>
@@ -5100,7 +4476,7 @@
 </p:sld>
 </file>
 
-<file path=ppt/slides/slide6.xml><?xml version="1.0" encoding="utf-8"?>
+<file path=ppt/slides/slide13.xml><?xml version="1.0" encoding="utf-8"?>
 <p:sld xmlns:a="http://schemas.openxmlformats.org/drawingml/2006/main" xmlns:r="http://schemas.openxmlformats.org/officeDocument/2006/relationships" xmlns:p="http://schemas.openxmlformats.org/presentationml/2006/main">
   <p:cSld>
     <p:spTree>
@@ -5227,7 +4603,7 @@
 </p:sld>
 </file>
 
-<file path=ppt/slides/slide7.xml><?xml version="1.0" encoding="utf-8"?>
+<file path=ppt/slides/slide14.xml><?xml version="1.0" encoding="utf-8"?>
 <p:sld xmlns:a="http://schemas.openxmlformats.org/drawingml/2006/main" xmlns:r="http://schemas.openxmlformats.org/officeDocument/2006/relationships" xmlns:p="http://schemas.openxmlformats.org/presentationml/2006/main">
   <p:cSld>
     <p:spTree>
@@ -5249,7 +4625,7 @@
           <p:cNvPr id="2" name="Title 1">
             <a:extLst>
               <a:ext uri="{FF2B5EF4-FFF2-40B4-BE49-F238E27FC236}">
-                <a16:creationId xmlns:a16="http://schemas.microsoft.com/office/drawing/2014/main" id="{9C914D61-9EB5-3FFD-2F89-6E020E17F7FD}"/>
+                <a16:creationId xmlns:a16="http://schemas.microsoft.com/office/drawing/2014/main" id="{530D5E9E-BF52-0514-9783-B9A59BB9DA20}"/>
               </a:ext>
             </a:extLst>
           </p:cNvPr>
@@ -5267,7 +4643,7 @@
           <a:p>
             <a:r>
               <a:rPr lang="en-US" dirty="0"/>
-              <a:t>Python Arrays</a:t>
+              <a:t>Multi-Dimensional Arrays</a:t>
             </a:r>
           </a:p>
         </p:txBody>
@@ -5277,7 +4653,7 @@
           <p:cNvPr id="3" name="Content Placeholder 2">
             <a:extLst>
               <a:ext uri="{FF2B5EF4-FFF2-40B4-BE49-F238E27FC236}">
-                <a16:creationId xmlns:a16="http://schemas.microsoft.com/office/drawing/2014/main" id="{B7829259-C79A-D0BA-290E-2EE0248099FC}"/>
+                <a16:creationId xmlns:a16="http://schemas.microsoft.com/office/drawing/2014/main" id="{3CAC3879-D070-4682-2B92-AACE67237620}"/>
               </a:ext>
             </a:extLst>
           </p:cNvPr>
@@ -5290,88 +4666,85 @@
         </p:nvSpPr>
         <p:spPr>
           <a:xfrm>
-            <a:off x="1451579" y="2015732"/>
-            <a:ext cx="9603275" cy="4037749"/>
+            <a:off x="1451579" y="1853754"/>
+            <a:ext cx="9603275" cy="4292664"/>
           </a:xfrm>
         </p:spPr>
         <p:txBody>
-          <a:bodyPr/>
-          <a:lstStyle/>
-          <a:p>
-            <a:r>
-              <a:rPr lang="en-US" dirty="0"/>
-              <a:t>The arrays that we use are provided by a package called </a:t>
-            </a:r>
-            <a:r>
-              <a:rPr lang="en-US" dirty="0" err="1"/>
-              <a:t>numpy</a:t>
-            </a:r>
-            <a:r>
-              <a:rPr lang="en-US" dirty="0"/>
-              <a:t>. </a:t>
+          <a:bodyPr>
+            <a:normAutofit lnSpcReduction="10000"/>
+          </a:bodyPr>
+          <a:lstStyle/>
+          <a:p>
+            <a:r>
+              <a:rPr lang="en-US" dirty="0"/>
+              <a:t>Arrays can also exist in 2+ dimensions. </a:t>
+            </a:r>
+          </a:p>
+          <a:p>
+            <a:r>
+              <a:rPr lang="en-US" dirty="0"/>
+              <a:t>Each dimension adds an additional “[ ]” or “,” for that dimension’s index. </a:t>
             </a:r>
           </a:p>
           <a:p>
             <a:pPr lvl="1"/>
             <a:r>
               <a:rPr lang="en-US" dirty="0"/>
-              <a:t>Commonly imported with a “np” alias. </a:t>
+              <a:t>array2D[0][0] or array2D[0,0] both get the first element. </a:t>
+            </a:r>
+          </a:p>
+          <a:p>
+            <a:r>
+              <a:rPr lang="en-US" dirty="0"/>
+              <a:t>Commonly seen with images – a normal image is X * Y * 3 (RGB color depth). </a:t>
+            </a:r>
+          </a:p>
+          <a:p>
+            <a:r>
+              <a:rPr lang="en-US" dirty="0"/>
+              <a:t>Similar to a list of list, but all dimensions are “full” – no different length rows. </a:t>
+            </a:r>
+          </a:p>
+          <a:p>
+            <a:r>
+              <a:rPr lang="en-US" dirty="0"/>
+              <a:t>Can get annoying to manipulate manually. </a:t>
             </a:r>
           </a:p>
           <a:p>
             <a:pPr lvl="1"/>
             <a:r>
-              <a:rPr lang="en-US" dirty="0" err="1"/>
-              <a:t>Numpy</a:t>
-            </a:r>
-            <a:r>
-              <a:rPr lang="en-US" dirty="0"/>
-              <a:t> is a scientific computing package.</a:t>
-            </a:r>
-          </a:p>
-          <a:p>
-            <a:r>
-              <a:rPr lang="en-US" dirty="0"/>
-              <a:t>Commonly used and often required for machine learning work. </a:t>
+              <a:rPr lang="en-US" dirty="0"/>
+              <a:t>Operations and logic is still the same. </a:t>
             </a:r>
           </a:p>
           <a:p>
             <a:pPr lvl="1"/>
             <a:r>
               <a:rPr lang="en-US" dirty="0"/>
-              <a:t>Data fed into a model is often an array, even if we prepare it before making it an array. </a:t>
+              <a:t>It becomes hard to impossible to visualize the data as we manipulate it. </a:t>
             </a:r>
           </a:p>
           <a:p>
             <a:pPr lvl="1"/>
             <a:r>
               <a:rPr lang="en-US" dirty="0"/>
-              <a:t>When doing lots of calculations inside a model, the speed matters. </a:t>
-            </a:r>
-          </a:p>
-          <a:p>
-            <a:pPr lvl="1"/>
-            <a:r>
-              <a:rPr lang="en-US" dirty="0"/>
-              <a:t>We want to get the benefits of the array (speed). </a:t>
-            </a:r>
-          </a:p>
-          <a:p>
-            <a:pPr lvl="1"/>
-            <a:r>
-              <a:rPr lang="en-US" dirty="0"/>
-              <a:t>The limitations of an array are between positive and neutral – fixed type and length. </a:t>
-            </a:r>
-          </a:p>
-          <a:p>
-            <a:endParaRPr lang="en-US" dirty="0"/>
+              <a:t>In practice, we usually rely on set operations – flatten and then reverse that flatten. </a:t>
+            </a:r>
+          </a:p>
+          <a:p>
+            <a:r>
+              <a:rPr lang="en-US" dirty="0"/>
+              <a:t>We can slice and dice an array to get a part of it…</a:t>
+            </a:r>
           </a:p>
         </p:txBody>
       </p:sp>
     </p:spTree>
     <p:extLst>
       <p:ext uri="{BB962C8B-B14F-4D97-AF65-F5344CB8AC3E}">
-        <p14:creationId xmlns:p14="http://schemas.microsoft.com/office/powerpoint/2010/main" val="3600369454"/>
+        <p14:creationId xmlns:p14="http://schemas.microsoft.com/office/powerpoint/2010/main" val="2727153759"/>
       </p:ext>
     </p:extLst>
   </p:cSld>
@@ -5381,7 +4754,833 @@
 </p:sld>
 </file>
 
-<file path=ppt/slides/slide8.xml><?xml version="1.0" encoding="utf-8"?>
+<file path=ppt/slides/slide15.xml><?xml version="1.0" encoding="utf-8"?>
+<p:sld xmlns:a="http://schemas.openxmlformats.org/drawingml/2006/main" xmlns:r="http://schemas.openxmlformats.org/officeDocument/2006/relationships" xmlns:p="http://schemas.openxmlformats.org/presentationml/2006/main">
+  <p:cSld>
+    <p:spTree>
+      <p:nvGrpSpPr>
+        <p:cNvPr id="1" name=""/>
+        <p:cNvGrpSpPr/>
+        <p:nvPr/>
+      </p:nvGrpSpPr>
+      <p:grpSpPr>
+        <a:xfrm>
+          <a:off x="0" y="0"/>
+          <a:ext cx="0" cy="0"/>
+          <a:chOff x="0" y="0"/>
+          <a:chExt cx="0" cy="0"/>
+        </a:xfrm>
+      </p:grpSpPr>
+      <p:sp>
+        <p:nvSpPr>
+          <p:cNvPr id="2" name="Title 1">
+            <a:extLst>
+              <a:ext uri="{FF2B5EF4-FFF2-40B4-BE49-F238E27FC236}">
+                <a16:creationId xmlns:a16="http://schemas.microsoft.com/office/drawing/2014/main" id="{99307EB7-1567-5247-D320-73DBE729B295}"/>
+              </a:ext>
+            </a:extLst>
+          </p:cNvPr>
+          <p:cNvSpPr>
+            <a:spLocks noGrp="1"/>
+          </p:cNvSpPr>
+          <p:nvPr>
+            <p:ph type="title"/>
+          </p:nvPr>
+        </p:nvSpPr>
+        <p:spPr/>
+        <p:txBody>
+          <a:bodyPr/>
+          <a:lstStyle/>
+          <a:p>
+            <a:r>
+              <a:rPr lang="en-US" dirty="0"/>
+              <a:t>Reshaping</a:t>
+            </a:r>
+          </a:p>
+        </p:txBody>
+      </p:sp>
+      <p:sp>
+        <p:nvSpPr>
+          <p:cNvPr id="3" name="Content Placeholder 2">
+            <a:extLst>
+              <a:ext uri="{FF2B5EF4-FFF2-40B4-BE49-F238E27FC236}">
+                <a16:creationId xmlns:a16="http://schemas.microsoft.com/office/drawing/2014/main" id="{49099347-281E-907F-6C53-5377A2436F93}"/>
+              </a:ext>
+            </a:extLst>
+          </p:cNvPr>
+          <p:cNvSpPr>
+            <a:spLocks noGrp="1"/>
+          </p:cNvSpPr>
+          <p:nvPr>
+            <p:ph idx="1"/>
+          </p:nvPr>
+        </p:nvSpPr>
+        <p:spPr>
+          <a:xfrm>
+            <a:off x="1451579" y="1883560"/>
+            <a:ext cx="9603275" cy="1391655"/>
+          </a:xfrm>
+        </p:spPr>
+        <p:txBody>
+          <a:bodyPr/>
+          <a:lstStyle/>
+          <a:p>
+            <a:r>
+              <a:rPr lang="en-US" dirty="0"/>
+              <a:t>We can reshape arrays when needed, such as flattening an array for a ML model. </a:t>
+            </a:r>
+          </a:p>
+          <a:p>
+            <a:r>
+              <a:rPr lang="en-US" dirty="0"/>
+              <a:t>The reshaping always counts left to right, then down. </a:t>
+            </a:r>
+          </a:p>
+        </p:txBody>
+      </p:sp>
+      <p:pic>
+        <p:nvPicPr>
+          <p:cNvPr id="6146" name="Picture 2" descr="NumPy: the absolute basics for beginners — NumPy v2.0.dev0 Manual">
+            <a:extLst>
+              <a:ext uri="{FF2B5EF4-FFF2-40B4-BE49-F238E27FC236}">
+                <a16:creationId xmlns:a16="http://schemas.microsoft.com/office/drawing/2014/main" id="{F1E0F1B5-88BF-6D82-C21E-7514B5AA494C}"/>
+              </a:ext>
+            </a:extLst>
+          </p:cNvPr>
+          <p:cNvPicPr>
+            <a:picLocks noChangeAspect="1" noChangeArrowheads="1"/>
+          </p:cNvPicPr>
+          <p:nvPr/>
+        </p:nvPicPr>
+        <p:blipFill rotWithShape="1">
+          <a:blip r:embed="rId2">
+            <a:extLst>
+              <a:ext uri="{28A0092B-C50C-407E-A947-70E740481C1C}">
+                <a14:useLocalDpi xmlns:a14="http://schemas.microsoft.com/office/drawing/2010/main" val="0"/>
+              </a:ext>
+            </a:extLst>
+          </a:blip>
+          <a:srcRect l="12818" t="8398" r="8415" b="7422"/>
+          <a:stretch/>
+        </p:blipFill>
+        <p:spPr bwMode="auto">
+          <a:xfrm>
+            <a:off x="1294362" y="3275215"/>
+            <a:ext cx="9603276" cy="3582785"/>
+          </a:xfrm>
+          <a:prstGeom prst="rect">
+            <a:avLst/>
+          </a:prstGeom>
+          <a:noFill/>
+          <a:extLst>
+            <a:ext uri="{909E8E84-426E-40DD-AFC4-6F175D3DCCD1}">
+              <a14:hiddenFill xmlns:a14="http://schemas.microsoft.com/office/drawing/2010/main">
+                <a:solidFill>
+                  <a:srgbClr val="FFFFFF"/>
+                </a:solidFill>
+              </a14:hiddenFill>
+            </a:ext>
+          </a:extLst>
+        </p:spPr>
+      </p:pic>
+    </p:spTree>
+    <p:extLst>
+      <p:ext uri="{BB962C8B-B14F-4D97-AF65-F5344CB8AC3E}">
+        <p14:creationId xmlns:p14="http://schemas.microsoft.com/office/powerpoint/2010/main" val="2153341733"/>
+      </p:ext>
+    </p:extLst>
+  </p:cSld>
+  <p:clrMapOvr>
+    <a:masterClrMapping/>
+  </p:clrMapOvr>
+</p:sld>
+</file>
+
+<file path=ppt/slides/slide16.xml><?xml version="1.0" encoding="utf-8"?>
+<p:sld xmlns:a="http://schemas.openxmlformats.org/drawingml/2006/main" xmlns:r="http://schemas.openxmlformats.org/officeDocument/2006/relationships" xmlns:p="http://schemas.openxmlformats.org/presentationml/2006/main">
+  <p:cSld>
+    <p:spTree>
+      <p:nvGrpSpPr>
+        <p:cNvPr id="1" name=""/>
+        <p:cNvGrpSpPr/>
+        <p:nvPr/>
+      </p:nvGrpSpPr>
+      <p:grpSpPr>
+        <a:xfrm>
+          <a:off x="0" y="0"/>
+          <a:ext cx="0" cy="0"/>
+          <a:chOff x="0" y="0"/>
+          <a:chExt cx="0" cy="0"/>
+        </a:xfrm>
+      </p:grpSpPr>
+      <p:sp>
+        <p:nvSpPr>
+          <p:cNvPr id="2" name="Title 1">
+            <a:extLst>
+              <a:ext uri="{FF2B5EF4-FFF2-40B4-BE49-F238E27FC236}">
+                <a16:creationId xmlns:a16="http://schemas.microsoft.com/office/drawing/2014/main" id="{44EF0227-C381-A11D-326E-14041828EE14}"/>
+              </a:ext>
+            </a:extLst>
+          </p:cNvPr>
+          <p:cNvSpPr>
+            <a:spLocks noGrp="1"/>
+          </p:cNvSpPr>
+          <p:nvPr>
+            <p:ph type="title"/>
+          </p:nvPr>
+        </p:nvSpPr>
+        <p:spPr/>
+        <p:txBody>
+          <a:bodyPr/>
+          <a:lstStyle/>
+          <a:p>
+            <a:r>
+              <a:rPr lang="en-US" dirty="0"/>
+              <a:t>Slice and Dice</a:t>
+            </a:r>
+          </a:p>
+        </p:txBody>
+      </p:sp>
+      <p:sp>
+        <p:nvSpPr>
+          <p:cNvPr id="3" name="Content Placeholder 2">
+            <a:extLst>
+              <a:ext uri="{FF2B5EF4-FFF2-40B4-BE49-F238E27FC236}">
+                <a16:creationId xmlns:a16="http://schemas.microsoft.com/office/drawing/2014/main" id="{873A443C-32D5-8772-639A-CE4F0F5E3808}"/>
+              </a:ext>
+            </a:extLst>
+          </p:cNvPr>
+          <p:cNvSpPr>
+            <a:spLocks noGrp="1"/>
+          </p:cNvSpPr>
+          <p:nvPr>
+            <p:ph idx="1"/>
+          </p:nvPr>
+        </p:nvSpPr>
+        <p:spPr>
+          <a:xfrm>
+            <a:off x="1451579" y="1853755"/>
+            <a:ext cx="9603275" cy="1187896"/>
+          </a:xfrm>
+        </p:spPr>
+        <p:txBody>
+          <a:bodyPr/>
+          <a:lstStyle/>
+          <a:p>
+            <a:r>
+              <a:rPr lang="en-US" dirty="0"/>
+              <a:t>We can slice using the “:” to span range for each dimension. </a:t>
+            </a:r>
+          </a:p>
+          <a:p>
+            <a:r>
+              <a:rPr lang="en-US" dirty="0"/>
+              <a:t>The “::2” changes the stride, or gets every “X” item. </a:t>
+            </a:r>
+          </a:p>
+        </p:txBody>
+      </p:sp>
+      <p:pic>
+        <p:nvPicPr>
+          <p:cNvPr id="5122" name="Picture 2" descr="Python NumPy Tutorial: An Applied Introduction for Beginners – LearnDataSci">
+            <a:extLst>
+              <a:ext uri="{FF2B5EF4-FFF2-40B4-BE49-F238E27FC236}">
+                <a16:creationId xmlns:a16="http://schemas.microsoft.com/office/drawing/2014/main" id="{D72BCEFB-6181-FD47-1653-D22534B94DEE}"/>
+              </a:ext>
+            </a:extLst>
+          </p:cNvPr>
+          <p:cNvPicPr>
+            <a:picLocks noChangeAspect="1" noChangeArrowheads="1"/>
+          </p:cNvPicPr>
+          <p:nvPr/>
+        </p:nvPicPr>
+        <p:blipFill>
+          <a:blip r:embed="rId2">
+            <a:extLst>
+              <a:ext uri="{28A0092B-C50C-407E-A947-70E740481C1C}">
+                <a14:useLocalDpi xmlns:a14="http://schemas.microsoft.com/office/drawing/2010/main" val="0"/>
+              </a:ext>
+            </a:extLst>
+          </a:blip>
+          <a:srcRect/>
+          <a:stretch>
+            <a:fillRect/>
+          </a:stretch>
+        </p:blipFill>
+        <p:spPr bwMode="auto">
+          <a:xfrm>
+            <a:off x="0" y="3041650"/>
+            <a:ext cx="12192000" cy="3816350"/>
+          </a:xfrm>
+          <a:prstGeom prst="rect">
+            <a:avLst/>
+          </a:prstGeom>
+          <a:noFill/>
+          <a:extLst>
+            <a:ext uri="{909E8E84-426E-40DD-AFC4-6F175D3DCCD1}">
+              <a14:hiddenFill xmlns:a14="http://schemas.microsoft.com/office/drawing/2010/main">
+                <a:solidFill>
+                  <a:srgbClr val="FFFFFF"/>
+                </a:solidFill>
+              </a14:hiddenFill>
+            </a:ext>
+          </a:extLst>
+        </p:spPr>
+      </p:pic>
+    </p:spTree>
+    <p:extLst>
+      <p:ext uri="{BB962C8B-B14F-4D97-AF65-F5344CB8AC3E}">
+        <p14:creationId xmlns:p14="http://schemas.microsoft.com/office/powerpoint/2010/main" val="1417570195"/>
+      </p:ext>
+    </p:extLst>
+  </p:cSld>
+  <p:clrMapOvr>
+    <a:masterClrMapping/>
+  </p:clrMapOvr>
+</p:sld>
+</file>
+
+<file path=ppt/slides/slide17.xml><?xml version="1.0" encoding="utf-8"?>
+<p:sld xmlns:a="http://schemas.openxmlformats.org/drawingml/2006/main" xmlns:r="http://schemas.openxmlformats.org/officeDocument/2006/relationships" xmlns:p="http://schemas.openxmlformats.org/presentationml/2006/main">
+  <p:cSld>
+    <p:spTree>
+      <p:nvGrpSpPr>
+        <p:cNvPr id="1" name=""/>
+        <p:cNvGrpSpPr/>
+        <p:nvPr/>
+      </p:nvGrpSpPr>
+      <p:grpSpPr>
+        <a:xfrm>
+          <a:off x="0" y="0"/>
+          <a:ext cx="0" cy="0"/>
+          <a:chOff x="0" y="0"/>
+          <a:chExt cx="0" cy="0"/>
+        </a:xfrm>
+      </p:grpSpPr>
+      <p:sp>
+        <p:nvSpPr>
+          <p:cNvPr id="2" name="Title 1">
+            <a:extLst>
+              <a:ext uri="{FF2B5EF4-FFF2-40B4-BE49-F238E27FC236}">
+                <a16:creationId xmlns:a16="http://schemas.microsoft.com/office/drawing/2014/main" id="{BE8B54E8-5BDA-CC33-6A2F-F120353E5195}"/>
+              </a:ext>
+            </a:extLst>
+          </p:cNvPr>
+          <p:cNvSpPr>
+            <a:spLocks noGrp="1"/>
+          </p:cNvSpPr>
+          <p:nvPr>
+            <p:ph type="title"/>
+          </p:nvPr>
+        </p:nvSpPr>
+        <p:spPr/>
+        <p:txBody>
+          <a:bodyPr/>
+          <a:lstStyle/>
+          <a:p>
+            <a:r>
+              <a:rPr lang="en-US" dirty="0"/>
+              <a:t>Array Conclusions</a:t>
+            </a:r>
+          </a:p>
+        </p:txBody>
+      </p:sp>
+      <p:sp>
+        <p:nvSpPr>
+          <p:cNvPr id="3" name="Content Placeholder 2">
+            <a:extLst>
+              <a:ext uri="{FF2B5EF4-FFF2-40B4-BE49-F238E27FC236}">
+                <a16:creationId xmlns:a16="http://schemas.microsoft.com/office/drawing/2014/main" id="{6B09E260-3B51-3CEF-88AF-70E4A81D4EE9}"/>
+              </a:ext>
+            </a:extLst>
+          </p:cNvPr>
+          <p:cNvSpPr>
+            <a:spLocks noGrp="1"/>
+          </p:cNvSpPr>
+          <p:nvPr>
+            <p:ph idx="1"/>
+          </p:nvPr>
+        </p:nvSpPr>
+        <p:spPr>
+          <a:xfrm>
+            <a:off x="1451579" y="2015732"/>
+            <a:ext cx="9603275" cy="4037749"/>
+          </a:xfrm>
+        </p:spPr>
+        <p:txBody>
+          <a:bodyPr/>
+          <a:lstStyle/>
+          <a:p>
+            <a:r>
+              <a:rPr lang="en-US" dirty="0"/>
+              <a:t>Arrays are something that are a core concept of computing in general. </a:t>
+            </a:r>
+          </a:p>
+          <a:p>
+            <a:r>
+              <a:rPr lang="en-US" dirty="0"/>
+              <a:t>With high-level languages, we can usually side-step the restrictions of arrays. </a:t>
+            </a:r>
+          </a:p>
+          <a:p>
+            <a:pPr lvl="1"/>
+            <a:r>
+              <a:rPr lang="en-US" dirty="0"/>
+              <a:t>Inability to grow, inflexibility in what it can hold. </a:t>
+            </a:r>
+          </a:p>
+          <a:p>
+            <a:pPr lvl="1"/>
+            <a:r>
+              <a:rPr lang="en-US" dirty="0"/>
+              <a:t>Lists, vectors, </a:t>
+            </a:r>
+            <a:r>
+              <a:rPr lang="en-US" dirty="0" err="1"/>
+              <a:t>etc</a:t>
+            </a:r>
+            <a:r>
+              <a:rPr lang="en-US" dirty="0"/>
+              <a:t>… are all easier to use as they handle some details for us. </a:t>
+            </a:r>
+          </a:p>
+          <a:p>
+            <a:r>
+              <a:rPr lang="en-US" dirty="0"/>
+              <a:t>In data science, we generally interact with arrays when feeding data to a model. </a:t>
+            </a:r>
+          </a:p>
+          <a:p>
+            <a:pPr lvl="1"/>
+            <a:r>
+              <a:rPr lang="en-US" dirty="0"/>
+              <a:t>The ML algorithms “want” an array of the data. </a:t>
+            </a:r>
+          </a:p>
+          <a:p>
+            <a:pPr lvl="1"/>
+            <a:r>
+              <a:rPr lang="en-US" dirty="0"/>
+              <a:t>The set data types are not an issue, nor is the inability to grow. </a:t>
+            </a:r>
+          </a:p>
+          <a:p>
+            <a:pPr lvl="1"/>
+            <a:r>
+              <a:rPr lang="en-US" dirty="0"/>
+              <a:t>The speed and direct math operations are very useful for mass calculations. </a:t>
+            </a:r>
+          </a:p>
+          <a:p>
+            <a:r>
+              <a:rPr lang="en-US" dirty="0"/>
+              <a:t>Arrays are mostly interoperable with our other data structures. </a:t>
+            </a:r>
+          </a:p>
+        </p:txBody>
+      </p:sp>
+    </p:spTree>
+    <p:extLst>
+      <p:ext uri="{BB962C8B-B14F-4D97-AF65-F5344CB8AC3E}">
+        <p14:creationId xmlns:p14="http://schemas.microsoft.com/office/powerpoint/2010/main" val="3505220901"/>
+      </p:ext>
+    </p:extLst>
+  </p:cSld>
+  <p:clrMapOvr>
+    <a:masterClrMapping/>
+  </p:clrMapOvr>
+</p:sld>
+</file>
+
+<file path=ppt/slides/slide2.xml><?xml version="1.0" encoding="utf-8"?>
+<p:sld xmlns:a="http://schemas.openxmlformats.org/drawingml/2006/main" xmlns:r="http://schemas.openxmlformats.org/officeDocument/2006/relationships" xmlns:p="http://schemas.openxmlformats.org/presentationml/2006/main">
+  <p:cSld>
+    <p:spTree>
+      <p:nvGrpSpPr>
+        <p:cNvPr id="1" name=""/>
+        <p:cNvGrpSpPr/>
+        <p:nvPr/>
+      </p:nvGrpSpPr>
+      <p:grpSpPr>
+        <a:xfrm>
+          <a:off x="0" y="0"/>
+          <a:ext cx="0" cy="0"/>
+          <a:chOff x="0" y="0"/>
+          <a:chExt cx="0" cy="0"/>
+        </a:xfrm>
+      </p:grpSpPr>
+      <p:sp>
+        <p:nvSpPr>
+          <p:cNvPr id="2" name="Title 1">
+            <a:extLst>
+              <a:ext uri="{FF2B5EF4-FFF2-40B4-BE49-F238E27FC236}">
+                <a16:creationId xmlns:a16="http://schemas.microsoft.com/office/drawing/2014/main" id="{771434A5-CD98-CD4B-2EF2-4729CC4AAD4E}"/>
+              </a:ext>
+            </a:extLst>
+          </p:cNvPr>
+          <p:cNvSpPr>
+            <a:spLocks noGrp="1"/>
+          </p:cNvSpPr>
+          <p:nvPr>
+            <p:ph type="ctrTitle"/>
+          </p:nvPr>
+        </p:nvSpPr>
+        <p:spPr/>
+        <p:txBody>
+          <a:bodyPr/>
+          <a:lstStyle/>
+          <a:p>
+            <a:r>
+              <a:rPr lang="en-US" dirty="0"/>
+              <a:t>Arrays</a:t>
+            </a:r>
+          </a:p>
+        </p:txBody>
+      </p:sp>
+      <p:sp>
+        <p:nvSpPr>
+          <p:cNvPr id="3" name="Subtitle 2">
+            <a:extLst>
+              <a:ext uri="{FF2B5EF4-FFF2-40B4-BE49-F238E27FC236}">
+                <a16:creationId xmlns:a16="http://schemas.microsoft.com/office/drawing/2014/main" id="{1F98F0AA-B9BE-EB0E-05E0-79BFD585923D}"/>
+              </a:ext>
+            </a:extLst>
+          </p:cNvPr>
+          <p:cNvSpPr>
+            <a:spLocks noGrp="1"/>
+          </p:cNvSpPr>
+          <p:nvPr>
+            <p:ph type="subTitle" idx="1"/>
+          </p:nvPr>
+        </p:nvSpPr>
+        <p:spPr/>
+        <p:txBody>
+          <a:bodyPr/>
+          <a:lstStyle/>
+          <a:p>
+            <a:endParaRPr lang="en-US"/>
+          </a:p>
+        </p:txBody>
+      </p:sp>
+    </p:spTree>
+    <p:extLst>
+      <p:ext uri="{BB962C8B-B14F-4D97-AF65-F5344CB8AC3E}">
+        <p14:creationId xmlns:p14="http://schemas.microsoft.com/office/powerpoint/2010/main" val="1122977996"/>
+      </p:ext>
+    </p:extLst>
+  </p:cSld>
+  <p:clrMapOvr>
+    <a:masterClrMapping/>
+  </p:clrMapOvr>
+</p:sld>
+</file>
+
+<file path=ppt/slides/slide3.xml><?xml version="1.0" encoding="utf-8"?>
+<p:sld xmlns:a="http://schemas.openxmlformats.org/drawingml/2006/main" xmlns:r="http://schemas.openxmlformats.org/officeDocument/2006/relationships" xmlns:p="http://schemas.openxmlformats.org/presentationml/2006/main">
+  <p:cSld>
+    <p:spTree>
+      <p:nvGrpSpPr>
+        <p:cNvPr id="1" name=""/>
+        <p:cNvGrpSpPr/>
+        <p:nvPr/>
+      </p:nvGrpSpPr>
+      <p:grpSpPr>
+        <a:xfrm>
+          <a:off x="0" y="0"/>
+          <a:ext cx="0" cy="0"/>
+          <a:chOff x="0" y="0"/>
+          <a:chExt cx="0" cy="0"/>
+        </a:xfrm>
+      </p:grpSpPr>
+      <p:sp>
+        <p:nvSpPr>
+          <p:cNvPr id="2" name="Title 1">
+            <a:extLst>
+              <a:ext uri="{FF2B5EF4-FFF2-40B4-BE49-F238E27FC236}">
+                <a16:creationId xmlns:a16="http://schemas.microsoft.com/office/drawing/2014/main" id="{82D7ED4D-EFF6-4A4E-AB4F-D4DF3E5D8B97}"/>
+              </a:ext>
+            </a:extLst>
+          </p:cNvPr>
+          <p:cNvSpPr>
+            <a:spLocks noGrp="1"/>
+          </p:cNvSpPr>
+          <p:nvPr>
+            <p:ph type="title"/>
+          </p:nvPr>
+        </p:nvSpPr>
+        <p:spPr/>
+        <p:txBody>
+          <a:bodyPr/>
+          <a:lstStyle/>
+          <a:p>
+            <a:r>
+              <a:rPr lang="en-US" dirty="0"/>
+              <a:t>What’s an array?</a:t>
+            </a:r>
+          </a:p>
+        </p:txBody>
+      </p:sp>
+      <p:sp>
+        <p:nvSpPr>
+          <p:cNvPr id="3" name="Content Placeholder 2">
+            <a:extLst>
+              <a:ext uri="{FF2B5EF4-FFF2-40B4-BE49-F238E27FC236}">
+                <a16:creationId xmlns:a16="http://schemas.microsoft.com/office/drawing/2014/main" id="{9DC78A25-6CAB-5947-2D29-235A540B75DF}"/>
+              </a:ext>
+            </a:extLst>
+          </p:cNvPr>
+          <p:cNvSpPr>
+            <a:spLocks noGrp="1"/>
+          </p:cNvSpPr>
+          <p:nvPr>
+            <p:ph idx="1"/>
+          </p:nvPr>
+        </p:nvSpPr>
+        <p:spPr>
+          <a:xfrm>
+            <a:off x="1451579" y="1853754"/>
+            <a:ext cx="9603275" cy="4134535"/>
+          </a:xfrm>
+        </p:spPr>
+        <p:txBody>
+          <a:bodyPr/>
+          <a:lstStyle/>
+          <a:p>
+            <a:r>
+              <a:rPr lang="en-US" dirty="0"/>
+              <a:t>An array is a data structure that is largely like a list, with some differences:</a:t>
+            </a:r>
+          </a:p>
+          <a:p>
+            <a:pPr lvl="1"/>
+            <a:r>
+              <a:rPr lang="en-US" dirty="0"/>
+              <a:t>Arrays are of a fixed size. </a:t>
+            </a:r>
+          </a:p>
+          <a:p>
+            <a:pPr lvl="1"/>
+            <a:r>
+              <a:rPr lang="en-US" dirty="0"/>
+              <a:t>Arrays have a fixed data type. </a:t>
+            </a:r>
+          </a:p>
+          <a:p>
+            <a:pPr lvl="1"/>
+            <a:r>
+              <a:rPr lang="en-US" dirty="0"/>
+              <a:t>Arrays can’t be changed, but the objects in them can be. </a:t>
+            </a:r>
+          </a:p>
+        </p:txBody>
+      </p:sp>
+      <p:pic>
+        <p:nvPicPr>
+          <p:cNvPr id="7170" name="Picture 2" descr="Python NumPy shape - Python NumPy Tutorial">
+            <a:extLst>
+              <a:ext uri="{FF2B5EF4-FFF2-40B4-BE49-F238E27FC236}">
+                <a16:creationId xmlns:a16="http://schemas.microsoft.com/office/drawing/2014/main" id="{82B93CB4-1898-D6A5-0DD2-0A1344597E86}"/>
+              </a:ext>
+            </a:extLst>
+          </p:cNvPr>
+          <p:cNvPicPr>
+            <a:picLocks noChangeAspect="1" noChangeArrowheads="1"/>
+          </p:cNvPicPr>
+          <p:nvPr/>
+        </p:nvPicPr>
+        <p:blipFill>
+          <a:blip r:embed="rId2">
+            <a:extLst>
+              <a:ext uri="{28A0092B-C50C-407E-A947-70E740481C1C}">
+                <a14:useLocalDpi xmlns:a14="http://schemas.microsoft.com/office/drawing/2010/main" val="0"/>
+              </a:ext>
+            </a:extLst>
+          </a:blip>
+          <a:srcRect/>
+          <a:stretch>
+            <a:fillRect/>
+          </a:stretch>
+        </p:blipFill>
+        <p:spPr bwMode="auto">
+          <a:xfrm>
+            <a:off x="2995881" y="4123198"/>
+            <a:ext cx="6514669" cy="2651674"/>
+          </a:xfrm>
+          <a:prstGeom prst="rect">
+            <a:avLst/>
+          </a:prstGeom>
+          <a:noFill/>
+          <a:extLst>
+            <a:ext uri="{909E8E84-426E-40DD-AFC4-6F175D3DCCD1}">
+              <a14:hiddenFill xmlns:a14="http://schemas.microsoft.com/office/drawing/2010/main">
+                <a:solidFill>
+                  <a:srgbClr val="FFFFFF"/>
+                </a:solidFill>
+              </a14:hiddenFill>
+            </a:ext>
+          </a:extLst>
+        </p:spPr>
+      </p:pic>
+    </p:spTree>
+    <p:extLst>
+      <p:ext uri="{BB962C8B-B14F-4D97-AF65-F5344CB8AC3E}">
+        <p14:creationId xmlns:p14="http://schemas.microsoft.com/office/powerpoint/2010/main" val="213640511"/>
+      </p:ext>
+    </p:extLst>
+  </p:cSld>
+  <p:clrMapOvr>
+    <a:masterClrMapping/>
+  </p:clrMapOvr>
+</p:sld>
+</file>
+
+<file path=ppt/slides/slide4.xml><?xml version="1.0" encoding="utf-8"?>
+<p:sld xmlns:a="http://schemas.openxmlformats.org/drawingml/2006/main" xmlns:r="http://schemas.openxmlformats.org/officeDocument/2006/relationships" xmlns:p="http://schemas.openxmlformats.org/presentationml/2006/main">
+  <p:cSld>
+    <p:spTree>
+      <p:nvGrpSpPr>
+        <p:cNvPr id="1" name=""/>
+        <p:cNvGrpSpPr/>
+        <p:nvPr/>
+      </p:nvGrpSpPr>
+      <p:grpSpPr>
+        <a:xfrm>
+          <a:off x="0" y="0"/>
+          <a:ext cx="0" cy="0"/>
+          <a:chOff x="0" y="0"/>
+          <a:chExt cx="0" cy="0"/>
+        </a:xfrm>
+      </p:grpSpPr>
+      <p:sp>
+        <p:nvSpPr>
+          <p:cNvPr id="2" name="Title 1">
+            <a:extLst>
+              <a:ext uri="{FF2B5EF4-FFF2-40B4-BE49-F238E27FC236}">
+                <a16:creationId xmlns:a16="http://schemas.microsoft.com/office/drawing/2014/main" id="{E8880C62-C726-6B21-6055-639966CF831A}"/>
+              </a:ext>
+            </a:extLst>
+          </p:cNvPr>
+          <p:cNvSpPr>
+            <a:spLocks noGrp="1"/>
+          </p:cNvSpPr>
+          <p:nvPr>
+            <p:ph type="title"/>
+          </p:nvPr>
+        </p:nvSpPr>
+        <p:spPr/>
+        <p:txBody>
+          <a:bodyPr/>
+          <a:lstStyle/>
+          <a:p>
+            <a:r>
+              <a:rPr lang="en-US" dirty="0"/>
+              <a:t>But… Why?</a:t>
+            </a:r>
+          </a:p>
+        </p:txBody>
+      </p:sp>
+      <p:sp>
+        <p:nvSpPr>
+          <p:cNvPr id="3" name="Content Placeholder 2">
+            <a:extLst>
+              <a:ext uri="{FF2B5EF4-FFF2-40B4-BE49-F238E27FC236}">
+                <a16:creationId xmlns:a16="http://schemas.microsoft.com/office/drawing/2014/main" id="{0D3DFC3B-9458-C8C9-8E44-AE89B3F509C2}"/>
+              </a:ext>
+            </a:extLst>
+          </p:cNvPr>
+          <p:cNvSpPr>
+            <a:spLocks noGrp="1"/>
+          </p:cNvSpPr>
+          <p:nvPr>
+            <p:ph idx="1"/>
+          </p:nvPr>
+        </p:nvSpPr>
+        <p:spPr>
+          <a:xfrm>
+            <a:off x="1451579" y="1853754"/>
+            <a:ext cx="9603275" cy="4199727"/>
+          </a:xfrm>
+        </p:spPr>
+        <p:txBody>
+          <a:bodyPr/>
+          <a:lstStyle/>
+          <a:p>
+            <a:r>
+              <a:rPr lang="en-US" dirty="0"/>
+              <a:t>Arrays are one of the building blocks of data structures. </a:t>
+            </a:r>
+          </a:p>
+          <a:p>
+            <a:r>
+              <a:rPr lang="en-US" dirty="0"/>
+              <a:t>More relevant for lower-level languages than in Python. </a:t>
+            </a:r>
+          </a:p>
+          <a:p>
+            <a:pPr lvl="1"/>
+            <a:r>
+              <a:rPr lang="en-US" dirty="0"/>
+              <a:t>Arrays are of a fixed size, and are placed into a window of that size in memory. </a:t>
+            </a:r>
+          </a:p>
+          <a:p>
+            <a:pPr lvl="1"/>
+            <a:r>
+              <a:rPr lang="en-US" dirty="0"/>
+              <a:t>The ability of a list to grow requires resources, an array is set. </a:t>
+            </a:r>
+          </a:p>
+          <a:p>
+            <a:pPr lvl="1"/>
+            <a:r>
+              <a:rPr lang="en-US" dirty="0"/>
+              <a:t>Arrays can be way faster as you can address memory locations directly. </a:t>
+            </a:r>
+          </a:p>
+          <a:p>
+            <a:r>
+              <a:rPr lang="en-US" dirty="0"/>
+              <a:t>Python manages the memory locations for us, but behind the scenes it is fast. </a:t>
+            </a:r>
+          </a:p>
+          <a:p>
+            <a:pPr lvl="1"/>
+            <a:r>
+              <a:rPr lang="en-US" dirty="0"/>
+              <a:t>An int is normally 32 bits, so an array of </a:t>
+            </a:r>
+            <a:r>
+              <a:rPr lang="en-US" dirty="0" err="1"/>
+              <a:t>ints</a:t>
+            </a:r>
+            <a:r>
+              <a:rPr lang="en-US" dirty="0"/>
+              <a:t> has values at “0”, “32”, “64”…</a:t>
+            </a:r>
+          </a:p>
+          <a:p>
+            <a:pPr lvl="1"/>
+            <a:r>
+              <a:rPr lang="en-US" dirty="0"/>
+              <a:t>A list needs to find “the next item” each time. </a:t>
+            </a:r>
+          </a:p>
+        </p:txBody>
+      </p:sp>
+    </p:spTree>
+    <p:extLst>
+      <p:ext uri="{BB962C8B-B14F-4D97-AF65-F5344CB8AC3E}">
+        <p14:creationId xmlns:p14="http://schemas.microsoft.com/office/powerpoint/2010/main" val="2012035154"/>
+      </p:ext>
+    </p:extLst>
+  </p:cSld>
+  <p:clrMapOvr>
+    <a:masterClrMapping/>
+  </p:clrMapOvr>
+</p:sld>
+</file>
+
+<file path=ppt/slides/slide5.xml><?xml version="1.0" encoding="utf-8"?>
 <p:sld xmlns:a="http://schemas.openxmlformats.org/drawingml/2006/main" xmlns:r="http://schemas.openxmlformats.org/officeDocument/2006/relationships" xmlns:p="http://schemas.openxmlformats.org/presentationml/2006/main">
   <p:cSld>
     <p:spTree>
@@ -5509,6 +5708,448 @@
 </p:sld>
 </file>
 
+<file path=ppt/slides/slide6.xml><?xml version="1.0" encoding="utf-8"?>
+<p:sld xmlns:a="http://schemas.openxmlformats.org/drawingml/2006/main" xmlns:r="http://schemas.openxmlformats.org/officeDocument/2006/relationships" xmlns:p="http://schemas.openxmlformats.org/presentationml/2006/main">
+  <p:cSld>
+    <p:spTree>
+      <p:nvGrpSpPr>
+        <p:cNvPr id="1" name=""/>
+        <p:cNvGrpSpPr/>
+        <p:nvPr/>
+      </p:nvGrpSpPr>
+      <p:grpSpPr>
+        <a:xfrm>
+          <a:off x="0" y="0"/>
+          <a:ext cx="0" cy="0"/>
+          <a:chOff x="0" y="0"/>
+          <a:chExt cx="0" cy="0"/>
+        </a:xfrm>
+      </p:grpSpPr>
+      <p:sp>
+        <p:nvSpPr>
+          <p:cNvPr id="2" name="Title 1">
+            <a:extLst>
+              <a:ext uri="{FF2B5EF4-FFF2-40B4-BE49-F238E27FC236}">
+                <a16:creationId xmlns:a16="http://schemas.microsoft.com/office/drawing/2014/main" id="{55626388-D3C6-C9CB-9D6D-7DF98D51B6C5}"/>
+              </a:ext>
+            </a:extLst>
+          </p:cNvPr>
+          <p:cNvSpPr>
+            <a:spLocks noGrp="1"/>
+          </p:cNvSpPr>
+          <p:nvPr>
+            <p:ph type="title"/>
+          </p:nvPr>
+        </p:nvSpPr>
+        <p:spPr/>
+        <p:txBody>
+          <a:bodyPr/>
+          <a:lstStyle/>
+          <a:p>
+            <a:r>
+              <a:rPr lang="en-US" dirty="0"/>
+              <a:t>Levels of Abstraction</a:t>
+            </a:r>
+          </a:p>
+        </p:txBody>
+      </p:sp>
+      <p:sp>
+        <p:nvSpPr>
+          <p:cNvPr id="3" name="Content Placeholder 2">
+            <a:extLst>
+              <a:ext uri="{FF2B5EF4-FFF2-40B4-BE49-F238E27FC236}">
+                <a16:creationId xmlns:a16="http://schemas.microsoft.com/office/drawing/2014/main" id="{8CBFCAB3-36BD-75A9-4C92-5B18A2207D19}"/>
+              </a:ext>
+            </a:extLst>
+          </p:cNvPr>
+          <p:cNvSpPr>
+            <a:spLocks noGrp="1"/>
+          </p:cNvSpPr>
+          <p:nvPr>
+            <p:ph idx="1"/>
+          </p:nvPr>
+        </p:nvSpPr>
+        <p:spPr>
+          <a:xfrm>
+            <a:off x="1451579" y="1853754"/>
+            <a:ext cx="9603275" cy="4199727"/>
+          </a:xfrm>
+        </p:spPr>
+        <p:txBody>
+          <a:bodyPr>
+            <a:normAutofit lnSpcReduction="10000"/>
+          </a:bodyPr>
+          <a:lstStyle/>
+          <a:p>
+            <a:r>
+              <a:rPr lang="en-US" dirty="0"/>
+              <a:t>Programming languages (and concepts) have varying degrees of abstraction. </a:t>
+            </a:r>
+          </a:p>
+          <a:p>
+            <a:r>
+              <a:rPr lang="en-US" dirty="0"/>
+              <a:t>Higher levels are things that are made to be understandable to humans. </a:t>
+            </a:r>
+          </a:p>
+          <a:p>
+            <a:pPr lvl="1"/>
+            <a:r>
+              <a:rPr lang="en-US" dirty="0"/>
+              <a:t>Languages like JavaScript, Python, or C#, and C++ (mostly). Easier to debug. Slower. </a:t>
+            </a:r>
+          </a:p>
+          <a:p>
+            <a:pPr lvl="1"/>
+            <a:r>
+              <a:rPr lang="en-US" dirty="0"/>
+              <a:t>Concepts like lists, objects, and inheritance. Abstract representations of real things. </a:t>
+            </a:r>
+          </a:p>
+          <a:p>
+            <a:pPr lvl="1"/>
+            <a:r>
+              <a:rPr lang="en-US" dirty="0"/>
+              <a:t>Seen in code that is meant to be understood and shared, where perf. Isn’t critical. (Loose). </a:t>
+            </a:r>
+          </a:p>
+          <a:p>
+            <a:r>
+              <a:rPr lang="en-US" dirty="0"/>
+              <a:t>Lower levels are things that are made to be understandable to computers. </a:t>
+            </a:r>
+          </a:p>
+          <a:p>
+            <a:pPr lvl="1"/>
+            <a:r>
+              <a:rPr lang="en-US" dirty="0"/>
+              <a:t>Languages like assembly, Basic, C (kind of). Harder to debug. Faster. </a:t>
+            </a:r>
+          </a:p>
+          <a:p>
+            <a:pPr lvl="1"/>
+            <a:r>
+              <a:rPr lang="en-US" dirty="0"/>
+              <a:t>Lacking abstract representations in favor of specific locations in memory or code. </a:t>
+            </a:r>
+          </a:p>
+          <a:p>
+            <a:pPr lvl="1"/>
+            <a:r>
+              <a:rPr lang="en-US" dirty="0"/>
+              <a:t>Often seen more in things that need to be efficient – i.e. ML libraries are written in C++. </a:t>
+            </a:r>
+          </a:p>
+          <a:p>
+            <a:r>
+              <a:rPr lang="en-US" dirty="0"/>
+              <a:t>The tools we use for data science are high-level, we focus on concepts. </a:t>
+            </a:r>
+          </a:p>
+        </p:txBody>
+      </p:sp>
+    </p:spTree>
+    <p:extLst>
+      <p:ext uri="{BB962C8B-B14F-4D97-AF65-F5344CB8AC3E}">
+        <p14:creationId xmlns:p14="http://schemas.microsoft.com/office/powerpoint/2010/main" val="2660434058"/>
+      </p:ext>
+    </p:extLst>
+  </p:cSld>
+  <p:clrMapOvr>
+    <a:masterClrMapping/>
+  </p:clrMapOvr>
+</p:sld>
+</file>
+
+<file path=ppt/slides/slide7.xml><?xml version="1.0" encoding="utf-8"?>
+<p:sld xmlns:a="http://schemas.openxmlformats.org/drawingml/2006/main" xmlns:r="http://schemas.openxmlformats.org/officeDocument/2006/relationships" xmlns:p="http://schemas.openxmlformats.org/presentationml/2006/main">
+  <p:cSld>
+    <p:spTree>
+      <p:nvGrpSpPr>
+        <p:cNvPr id="1" name=""/>
+        <p:cNvGrpSpPr/>
+        <p:nvPr/>
+      </p:nvGrpSpPr>
+      <p:grpSpPr>
+        <a:xfrm>
+          <a:off x="0" y="0"/>
+          <a:ext cx="0" cy="0"/>
+          <a:chOff x="0" y="0"/>
+          <a:chExt cx="0" cy="0"/>
+        </a:xfrm>
+      </p:grpSpPr>
+      <p:sp>
+        <p:nvSpPr>
+          <p:cNvPr id="2" name="Title 1">
+            <a:extLst>
+              <a:ext uri="{FF2B5EF4-FFF2-40B4-BE49-F238E27FC236}">
+                <a16:creationId xmlns:a16="http://schemas.microsoft.com/office/drawing/2014/main" id="{4CB28CC4-54FE-5BE0-0B02-36E685321872}"/>
+              </a:ext>
+            </a:extLst>
+          </p:cNvPr>
+          <p:cNvSpPr>
+            <a:spLocks noGrp="1"/>
+          </p:cNvSpPr>
+          <p:nvPr>
+            <p:ph type="title"/>
+          </p:nvPr>
+        </p:nvSpPr>
+        <p:spPr/>
+        <p:txBody>
+          <a:bodyPr/>
+          <a:lstStyle/>
+          <a:p>
+            <a:r>
+              <a:rPr lang="en-US" dirty="0"/>
+              <a:t>Levels and Arrays</a:t>
+            </a:r>
+          </a:p>
+        </p:txBody>
+      </p:sp>
+      <p:sp>
+        <p:nvSpPr>
+          <p:cNvPr id="3" name="Content Placeholder 2">
+            <a:extLst>
+              <a:ext uri="{FF2B5EF4-FFF2-40B4-BE49-F238E27FC236}">
+                <a16:creationId xmlns:a16="http://schemas.microsoft.com/office/drawing/2014/main" id="{1B1B13EE-29AC-43BA-3C17-B0F62BAA7B05}"/>
+              </a:ext>
+            </a:extLst>
+          </p:cNvPr>
+          <p:cNvSpPr>
+            <a:spLocks noGrp="1"/>
+          </p:cNvSpPr>
+          <p:nvPr>
+            <p:ph idx="1"/>
+          </p:nvPr>
+        </p:nvSpPr>
+        <p:spPr>
+          <a:xfrm>
+            <a:off x="1451579" y="1853754"/>
+            <a:ext cx="9603275" cy="4199727"/>
+          </a:xfrm>
+        </p:spPr>
+        <p:txBody>
+          <a:bodyPr>
+            <a:normAutofit lnSpcReduction="10000"/>
+          </a:bodyPr>
+          <a:lstStyle/>
+          <a:p>
+            <a:r>
+              <a:rPr lang="en-US" dirty="0"/>
+              <a:t>We can think of where arrays came from hand-in-hand with thinking about the language. </a:t>
+            </a:r>
+          </a:p>
+          <a:p>
+            <a:r>
+              <a:rPr lang="en-US" dirty="0"/>
+              <a:t>Assembly (and below)</a:t>
+            </a:r>
+          </a:p>
+          <a:p>
+            <a:pPr lvl="1"/>
+            <a:r>
+              <a:rPr lang="en-US" dirty="0"/>
+              <a:t>We move data into and out of a spot (a physical address) in memory. Hard and annoying!</a:t>
+            </a:r>
+          </a:p>
+          <a:p>
+            <a:r>
+              <a:rPr lang="en-US" dirty="0"/>
+              <a:t>Low level languages. </a:t>
+            </a:r>
+          </a:p>
+          <a:p>
+            <a:pPr lvl="1"/>
+            <a:r>
+              <a:rPr lang="en-US" dirty="0"/>
+              <a:t>We maintain a pointer to the correct spot in memory. Annoying and easy to mess up. </a:t>
+            </a:r>
+          </a:p>
+          <a:p>
+            <a:pPr lvl="1"/>
+            <a:r>
+              <a:rPr lang="en-US" dirty="0"/>
+              <a:t>Gain abstractions like indexing. </a:t>
+            </a:r>
+          </a:p>
+          <a:p>
+            <a:r>
+              <a:rPr lang="en-US" dirty="0"/>
+              <a:t>High level languages. </a:t>
+            </a:r>
+          </a:p>
+          <a:p>
+            <a:pPr lvl="1"/>
+            <a:r>
+              <a:rPr lang="en-US" dirty="0"/>
+              <a:t>No need to worry about memory locations at all. Language handles logistics, we have limits.  </a:t>
+            </a:r>
+          </a:p>
+          <a:p>
+            <a:r>
+              <a:rPr lang="en-US" dirty="0"/>
+              <a:t>Higher level data structures like Lists. </a:t>
+            </a:r>
+          </a:p>
+          <a:p>
+            <a:pPr lvl="1"/>
+            <a:r>
+              <a:rPr lang="en-US" dirty="0"/>
+              <a:t>No constraints from physical memory are needed (though they may be desired). </a:t>
+            </a:r>
+          </a:p>
+        </p:txBody>
+      </p:sp>
+    </p:spTree>
+    <p:extLst>
+      <p:ext uri="{BB962C8B-B14F-4D97-AF65-F5344CB8AC3E}">
+        <p14:creationId xmlns:p14="http://schemas.microsoft.com/office/powerpoint/2010/main" val="564957335"/>
+      </p:ext>
+    </p:extLst>
+  </p:cSld>
+  <p:clrMapOvr>
+    <a:masterClrMapping/>
+  </p:clrMapOvr>
+</p:sld>
+</file>
+
+<file path=ppt/slides/slide8.xml><?xml version="1.0" encoding="utf-8"?>
+<p:sld xmlns:a="http://schemas.openxmlformats.org/drawingml/2006/main" xmlns:r="http://schemas.openxmlformats.org/officeDocument/2006/relationships" xmlns:p="http://schemas.openxmlformats.org/presentationml/2006/main">
+  <p:cSld>
+    <p:spTree>
+      <p:nvGrpSpPr>
+        <p:cNvPr id="1" name=""/>
+        <p:cNvGrpSpPr/>
+        <p:nvPr/>
+      </p:nvGrpSpPr>
+      <p:grpSpPr>
+        <a:xfrm>
+          <a:off x="0" y="0"/>
+          <a:ext cx="0" cy="0"/>
+          <a:chOff x="0" y="0"/>
+          <a:chExt cx="0" cy="0"/>
+        </a:xfrm>
+      </p:grpSpPr>
+      <p:sp>
+        <p:nvSpPr>
+          <p:cNvPr id="2" name="Title 1">
+            <a:extLst>
+              <a:ext uri="{FF2B5EF4-FFF2-40B4-BE49-F238E27FC236}">
+                <a16:creationId xmlns:a16="http://schemas.microsoft.com/office/drawing/2014/main" id="{B2B1FD07-6AA6-2751-A239-80B8620A0571}"/>
+              </a:ext>
+            </a:extLst>
+          </p:cNvPr>
+          <p:cNvSpPr>
+            <a:spLocks noGrp="1"/>
+          </p:cNvSpPr>
+          <p:nvPr>
+            <p:ph type="title"/>
+          </p:nvPr>
+        </p:nvSpPr>
+        <p:spPr/>
+        <p:txBody>
+          <a:bodyPr/>
+          <a:lstStyle/>
+          <a:p>
+            <a:r>
+              <a:rPr lang="en-US" dirty="0"/>
+              <a:t>Code Execution</a:t>
+            </a:r>
+          </a:p>
+        </p:txBody>
+      </p:sp>
+      <p:sp>
+        <p:nvSpPr>
+          <p:cNvPr id="3" name="Content Placeholder 2">
+            <a:extLst>
+              <a:ext uri="{FF2B5EF4-FFF2-40B4-BE49-F238E27FC236}">
+                <a16:creationId xmlns:a16="http://schemas.microsoft.com/office/drawing/2014/main" id="{6849377B-46C4-E9ED-A326-744544D5548F}"/>
+              </a:ext>
+            </a:extLst>
+          </p:cNvPr>
+          <p:cNvSpPr>
+            <a:spLocks noGrp="1"/>
+          </p:cNvSpPr>
+          <p:nvPr>
+            <p:ph idx="1"/>
+          </p:nvPr>
+        </p:nvSpPr>
+        <p:spPr>
+          <a:xfrm>
+            <a:off x="1451579" y="1948070"/>
+            <a:ext cx="9603275" cy="4035287"/>
+          </a:xfrm>
+        </p:spPr>
+        <p:txBody>
+          <a:bodyPr/>
+          <a:lstStyle/>
+          <a:p>
+            <a:r>
+              <a:rPr lang="en-US" dirty="0"/>
+              <a:t>Computers are machines and they only understand machine code. </a:t>
+            </a:r>
+          </a:p>
+          <a:p>
+            <a:r>
+              <a:rPr lang="en-US" dirty="0"/>
+              <a:t>Languages need to be “translated” down into machine code to actually run. </a:t>
+            </a:r>
+          </a:p>
+          <a:p>
+            <a:pPr lvl="1"/>
+            <a:r>
+              <a:rPr lang="en-US" dirty="0"/>
+              <a:t>This is broadly true, there can be more than one step. Code-&gt;assembly-&gt;machine. </a:t>
+            </a:r>
+          </a:p>
+          <a:p>
+            <a:r>
+              <a:rPr lang="en-US" dirty="0"/>
+              <a:t>Interpreted languages like Python. </a:t>
+            </a:r>
+          </a:p>
+          <a:p>
+            <a:pPr lvl="1"/>
+            <a:r>
+              <a:rPr lang="en-US" dirty="0"/>
+              <a:t>The interpreter reads the python code and generates machine code on the fly. </a:t>
+            </a:r>
+          </a:p>
+          <a:p>
+            <a:r>
+              <a:rPr lang="en-US" dirty="0"/>
+              <a:t>Compiled languages like C++. </a:t>
+            </a:r>
+          </a:p>
+          <a:p>
+            <a:pPr lvl="1"/>
+            <a:r>
+              <a:rPr lang="en-US" dirty="0"/>
+              <a:t>The complier translates the entire program to machine code to generate an executable. </a:t>
+            </a:r>
+          </a:p>
+          <a:p>
+            <a:pPr lvl="1"/>
+            <a:r>
+              <a:rPr lang="en-US" dirty="0"/>
+              <a:t>Helps efficiency – compliers can find many ways to improve performance. </a:t>
+            </a:r>
+          </a:p>
+        </p:txBody>
+      </p:sp>
+    </p:spTree>
+    <p:extLst>
+      <p:ext uri="{BB962C8B-B14F-4D97-AF65-F5344CB8AC3E}">
+        <p14:creationId xmlns:p14="http://schemas.microsoft.com/office/powerpoint/2010/main" val="151748401"/>
+      </p:ext>
+    </p:extLst>
+  </p:cSld>
+  <p:clrMapOvr>
+    <a:masterClrMapping/>
+  </p:clrMapOvr>
+</p:sld>
+</file>
+
 <file path=ppt/slides/slide9.xml><?xml version="1.0" encoding="utf-8"?>
 <p:sld xmlns:a="http://schemas.openxmlformats.org/drawingml/2006/main" xmlns:r="http://schemas.openxmlformats.org/officeDocument/2006/relationships" xmlns:p="http://schemas.openxmlformats.org/presentationml/2006/main">
   <p:cSld>
@@ -5531,7 +6172,7 @@
           <p:cNvPr id="2" name="Title 1">
             <a:extLst>
               <a:ext uri="{FF2B5EF4-FFF2-40B4-BE49-F238E27FC236}">
-                <a16:creationId xmlns:a16="http://schemas.microsoft.com/office/drawing/2014/main" id="{55626388-D3C6-C9CB-9D6D-7DF98D51B6C5}"/>
+                <a16:creationId xmlns:a16="http://schemas.microsoft.com/office/drawing/2014/main" id="{445FB6D0-A728-2299-B67C-2D635938B085}"/>
               </a:ext>
             </a:extLst>
           </p:cNvPr>
@@ -5549,7 +6190,7 @@
           <a:p>
             <a:r>
               <a:rPr lang="en-US" dirty="0"/>
-              <a:t>Levels of Abstraction</a:t>
+              <a:t>Building the Array</a:t>
             </a:r>
           </a:p>
         </p:txBody>
@@ -5559,7 +6200,7 @@
           <p:cNvPr id="3" name="Content Placeholder 2">
             <a:extLst>
               <a:ext uri="{FF2B5EF4-FFF2-40B4-BE49-F238E27FC236}">
-                <a16:creationId xmlns:a16="http://schemas.microsoft.com/office/drawing/2014/main" id="{8CBFCAB3-36BD-75A9-4C92-5B18A2207D19}"/>
+                <a16:creationId xmlns:a16="http://schemas.microsoft.com/office/drawing/2014/main" id="{97230C1F-F1F4-08DF-A236-338E90953A29}"/>
               </a:ext>
             </a:extLst>
           </p:cNvPr>
@@ -5577,74 +6218,68 @@
           </a:xfrm>
         </p:spPr>
         <p:txBody>
-          <a:bodyPr>
-            <a:normAutofit lnSpcReduction="10000"/>
-          </a:bodyPr>
-          <a:lstStyle/>
-          <a:p>
-            <a:r>
-              <a:rPr lang="en-US" dirty="0"/>
-              <a:t>Programming languages (and concepts) have varying degrees of abstraction. </a:t>
-            </a:r>
-          </a:p>
-          <a:p>
-            <a:r>
-              <a:rPr lang="en-US" dirty="0"/>
-              <a:t>Higher levels are things that are made to be understandable to humans. </a:t>
+          <a:bodyPr/>
+          <a:lstStyle/>
+          <a:p>
+            <a:r>
+              <a:rPr lang="en-US" dirty="0"/>
+              <a:t>We can build the concept of the array up from this. </a:t>
             </a:r>
           </a:p>
           <a:p>
             <a:pPr lvl="1"/>
             <a:r>
               <a:rPr lang="en-US" dirty="0"/>
-              <a:t>Languages like JavaScript, Python, or C#, and C++ (mostly). Easier to debug. Slower. </a:t>
+              <a:t>Start with several memory addresses with our data. </a:t>
             </a:r>
           </a:p>
           <a:p>
             <a:pPr lvl="1"/>
             <a:r>
               <a:rPr lang="en-US" dirty="0"/>
-              <a:t>Concepts like lists, objects, and inheritance. Abstract representations of real things. </a:t>
+              <a:t>Add the ability to treat the data as one object, with indexing offsets. </a:t>
             </a:r>
           </a:p>
           <a:p>
             <a:pPr lvl="1"/>
             <a:r>
               <a:rPr lang="en-US" dirty="0"/>
-              <a:t>Seen in code that is meant to be understood and shared, where perf. Isn’t critical. (Loose). </a:t>
-            </a:r>
-          </a:p>
-          <a:p>
-            <a:r>
-              <a:rPr lang="en-US" dirty="0"/>
-              <a:t>Lower levels are things that are made to be understandable to computers. </a:t>
+              <a:t>Add the ability for the array to manage it’s own “innards” – memory, length, </a:t>
+            </a:r>
+            <a:r>
+              <a:rPr lang="en-US" dirty="0" err="1"/>
+              <a:t>etc</a:t>
+            </a:r>
+            <a:r>
+              <a:rPr lang="en-US" dirty="0"/>
+              <a:t>…</a:t>
             </a:r>
           </a:p>
           <a:p>
             <a:pPr lvl="1"/>
             <a:r>
               <a:rPr lang="en-US" dirty="0"/>
-              <a:t>Languages like assembly, Basic, C (kind of). Harder to debug. Faster. </a:t>
+              <a:t>Allowing it to be dynamic (a list). </a:t>
+            </a:r>
+          </a:p>
+          <a:p>
+            <a:r>
+              <a:rPr lang="en-US" dirty="0"/>
+              <a:t>We add an additional layer of abstraction, or remove some detail we need to manage ourselves at each level, making it easier to use. </a:t>
             </a:r>
           </a:p>
           <a:p>
             <a:pPr lvl="1"/>
             <a:r>
               <a:rPr lang="en-US" dirty="0"/>
-              <a:t>Lacking abstract representations in favor of specific locations in memory or code. </a:t>
+              <a:t>Easier is better in most cases. Making code readable and fixable is more important than fast. </a:t>
             </a:r>
           </a:p>
           <a:p>
             <a:pPr lvl="1"/>
             <a:r>
               <a:rPr lang="en-US" dirty="0"/>
-              <a:t>Often seen more in things that need to be efficient – i.e. ML libraries are written in C++. </a:t>
-            </a:r>
-          </a:p>
-          <a:p>
-            <a:r>
-              <a:rPr lang="en-US" dirty="0"/>
-              <a:t>The tools we use for data science are high-level, we focus on concepts. </a:t>
+              <a:t>For places we need speed, we can sub in something more simple, like an array. </a:t>
             </a:r>
           </a:p>
         </p:txBody>
@@ -5652,7 +6287,7 @@
     </p:spTree>
     <p:extLst>
       <p:ext uri="{BB962C8B-B14F-4D97-AF65-F5344CB8AC3E}">
-        <p14:creationId xmlns:p14="http://schemas.microsoft.com/office/powerpoint/2010/main" val="2660434058"/>
+        <p14:creationId xmlns:p14="http://schemas.microsoft.com/office/powerpoint/2010/main" val="12238629"/>
       </p:ext>
     </p:extLst>
   </p:cSld>

--- a/course_material/slides/013_arrays.pptx
+++ b/course_material/slides/013_arrays.pptx
@@ -5338,8 +5338,8 @@
         </p:nvSpPr>
         <p:spPr>
           <a:xfrm>
-            <a:off x="1451579" y="1853754"/>
-            <a:ext cx="9603275" cy="4134535"/>
+            <a:off x="1451579" y="1853755"/>
+            <a:ext cx="9603275" cy="2269444"/>
           </a:xfrm>
         </p:spPr>
         <p:txBody>
@@ -5370,6 +5370,21 @@
             <a:r>
               <a:rPr lang="en-US" dirty="0"/>
               <a:t>Arrays can’t be changed, but the objects in them can be. </a:t>
+            </a:r>
+          </a:p>
+          <a:p>
+            <a:pPr lvl="1"/>
+            <a:r>
+              <a:rPr lang="en-US" dirty="0"/>
+              <a:t>Arrays are </a:t>
+            </a:r>
+            <a:r>
+              <a:rPr lang="en-US" dirty="0" err="1"/>
+              <a:t>iterable</a:t>
+            </a:r>
+            <a:r>
+              <a:rPr lang="en-US" dirty="0"/>
+              <a:t> and can be used with “normal things like for loops. </a:t>
             </a:r>
           </a:p>
         </p:txBody>
@@ -5563,6 +5578,13 @@
             <a:r>
               <a:rPr lang="en-US" dirty="0"/>
               <a:t>A list needs to find “the next item” each time. </a:t>
+            </a:r>
+          </a:p>
+          <a:p>
+            <a:pPr lvl="1"/>
+            <a:r>
+              <a:rPr lang="en-US" dirty="0"/>
+              <a:t>Before things like lists existed, we didn’t have a choice.</a:t>
             </a:r>
           </a:p>
         </p:txBody>
